--- a/BodyExpendReserch/世界観構築/身体拡張ビジョン.pptx
+++ b/BodyExpendReserch/世界観構築/身体拡張ビジョン.pptx
@@ -20,23 +20,28 @@
     <p:sldId id="264" r:id="rId15"/>
     <p:sldId id="265" r:id="rId16"/>
     <p:sldId id="266" r:id="rId17"/>
+    <p:sldId id="267" r:id="rId18"/>
+    <p:sldId id="268" r:id="rId19"/>
+    <p:sldId id="269" r:id="rId20"/>
+    <p:sldId id="270" r:id="rId21"/>
+    <p:sldId id="271" r:id="rId22"/>
   </p:sldIdLst>
   <p:sldSz cy="5143500" cx="9144000"/>
   <p:notesSz cx="6858000" cy="9144000"/>
   <p:embeddedFontLst>
     <p:embeddedFont>
       <p:font typeface="Raleway"/>
-      <p:regular r:id="rId18"/>
-      <p:bold r:id="rId19"/>
-      <p:italic r:id="rId20"/>
-      <p:boldItalic r:id="rId21"/>
+      <p:regular r:id="rId23"/>
+      <p:bold r:id="rId24"/>
+      <p:italic r:id="rId25"/>
+      <p:boldItalic r:id="rId26"/>
     </p:embeddedFont>
     <p:embeddedFont>
       <p:font typeface="Lato"/>
-      <p:regular r:id="rId22"/>
-      <p:bold r:id="rId23"/>
-      <p:italic r:id="rId24"/>
-      <p:boldItalic r:id="rId25"/>
+      <p:regular r:id="rId27"/>
+      <p:bold r:id="rId28"/>
+      <p:italic r:id="rId29"/>
+      <p:boldItalic r:id="rId30"/>
     </p:embeddedFont>
   </p:embeddedFontLst>
   <p:defaultTextStyle>
@@ -835,7 +840,7 @@
   <p:cSld>
     <p:spTree>
       <p:nvGrpSpPr>
-        <p:cNvPr id="193" name="Shape 193"/>
+        <p:cNvPr id="194" name="Shape 194"/>
         <p:cNvGrpSpPr/>
         <p:nvPr/>
       </p:nvGrpSpPr>
@@ -849,7 +854,7 @@
       </p:grpSpPr>
       <p:sp>
         <p:nvSpPr>
-          <p:cNvPr id="194" name="Google Shape;194;g1d6f7228ff4_0_45:notes"/>
+          <p:cNvPr id="195" name="Google Shape;195;g1d6f7228ff4_0_45:notes"/>
           <p:cNvSpPr/>
           <p:nvPr>
             <p:ph idx="2" type="sldImg"/>
@@ -884,7 +889,7 @@
       </p:sp>
       <p:sp>
         <p:nvSpPr>
-          <p:cNvPr id="195" name="Google Shape;195;g1d6f7228ff4_0_45:notes"/>
+          <p:cNvPr id="196" name="Google Shape;196;g1d6f7228ff4_0_45:notes"/>
           <p:cNvSpPr txBox="1"/>
           <p:nvPr>
             <p:ph idx="1" type="body"/>
@@ -934,7 +939,7 @@
   <p:cSld>
     <p:spTree>
       <p:nvGrpSpPr>
-        <p:cNvPr id="199" name="Shape 199"/>
+        <p:cNvPr id="200" name="Shape 200"/>
         <p:cNvGrpSpPr/>
         <p:nvPr/>
       </p:nvGrpSpPr>
@@ -948,7 +953,7 @@
       </p:grpSpPr>
       <p:sp>
         <p:nvSpPr>
-          <p:cNvPr id="200" name="Google Shape;200;g1d6f7228ff4_0_50:notes"/>
+          <p:cNvPr id="201" name="Google Shape;201;g1d6f7228ff4_0_50:notes"/>
           <p:cNvSpPr/>
           <p:nvPr>
             <p:ph idx="2" type="sldImg"/>
@@ -983,7 +988,502 @@
       </p:sp>
       <p:sp>
         <p:nvSpPr>
-          <p:cNvPr id="201" name="Google Shape;201;g1d6f7228ff4_0_50:notes"/>
+          <p:cNvPr id="202" name="Google Shape;202;g1d6f7228ff4_0_50:notes"/>
+          <p:cNvSpPr txBox="1"/>
+          <p:nvPr>
+            <p:ph idx="1" type="body"/>
+          </p:nvPr>
+        </p:nvSpPr>
+        <p:spPr>
+          <a:xfrm>
+            <a:off x="685800" y="4343400"/>
+            <a:ext cx="5486400" cy="4114800"/>
+          </a:xfrm>
+          <a:prstGeom prst="rect">
+            <a:avLst/>
+          </a:prstGeom>
+        </p:spPr>
+        <p:txBody>
+          <a:bodyPr anchorCtr="0" anchor="t" bIns="91425" lIns="91425" spcFirstLastPara="1" rIns="91425" wrap="square" tIns="91425">
+            <a:noAutofit/>
+          </a:bodyPr>
+          <a:lstStyle/>
+          <a:p>
+            <a:pPr indent="0" lvl="0" marL="0" rtl="0" algn="l">
+              <a:spcBef>
+                <a:spcPts val="0"/>
+              </a:spcBef>
+              <a:spcAft>
+                <a:spcPts val="0"/>
+              </a:spcAft>
+              <a:buNone/>
+            </a:pPr>
+            <a:r>
+              <a:t/>
+            </a:r>
+            <a:endParaRPr/>
+          </a:p>
+        </p:txBody>
+      </p:sp>
+    </p:spTree>
+  </p:cSld>
+  <p:clrMapOvr>
+    <a:masterClrMapping/>
+  </p:clrMapOvr>
+</p:notes>
+</file>
+
+<file path=ppt/notesSlides/notesSlide12.xml><?xml version="1.0" encoding="utf-8"?>
+<p:notes xmlns:a="http://schemas.openxmlformats.org/drawingml/2006/main" xmlns:r="http://schemas.openxmlformats.org/officeDocument/2006/relationships" xmlns:mc="http://schemas.openxmlformats.org/markup-compatibility/2006" xmlns:mv="urn:schemas-microsoft-com:mac:vml" xmlns:p="http://schemas.openxmlformats.org/presentationml/2006/main" xmlns:c="http://schemas.openxmlformats.org/drawingml/2006/chart" xmlns:dgm="http://schemas.openxmlformats.org/drawingml/2006/diagram" xmlns:o="urn:schemas-microsoft-com:office:office" xmlns:v="urn:schemas-microsoft-com:vml" xmlns:pvml="urn:schemas-microsoft-com:office:powerpoint" xmlns:com="http://schemas.openxmlformats.org/drawingml/2006/compatibility" xmlns:p14="http://schemas.microsoft.com/office/powerpoint/2010/main" xmlns:p15="http://schemas.microsoft.com/office/powerpoint/2012/main" xmlns:ahyp="http://schemas.microsoft.com/office/drawing/2018/hyperlinkcolor" showMasterPhAnim="0" showMasterSp="0">
+  <p:cSld>
+    <p:spTree>
+      <p:nvGrpSpPr>
+        <p:cNvPr id="206" name="Shape 206"/>
+        <p:cNvGrpSpPr/>
+        <p:nvPr/>
+      </p:nvGrpSpPr>
+      <p:grpSpPr>
+        <a:xfrm>
+          <a:off x="0" y="0"/>
+          <a:ext cx="0" cy="0"/>
+          <a:chOff x="0" y="0"/>
+          <a:chExt cx="0" cy="0"/>
+        </a:xfrm>
+      </p:grpSpPr>
+      <p:sp>
+        <p:nvSpPr>
+          <p:cNvPr id="207" name="Google Shape;207;g1d6f7228ff4_0_72:notes"/>
+          <p:cNvSpPr/>
+          <p:nvPr>
+            <p:ph idx="2" type="sldImg"/>
+          </p:nvPr>
+        </p:nvSpPr>
+        <p:spPr>
+          <a:xfrm>
+            <a:off x="381300" y="685800"/>
+            <a:ext cx="6096000" cy="3429000"/>
+          </a:xfrm>
+          <a:custGeom>
+            <a:rect b="b" l="l" r="r" t="t"/>
+            <a:pathLst>
+              <a:path extrusionOk="0" h="120000" w="120000">
+                <a:moveTo>
+                  <a:pt x="0" y="0"/>
+                </a:moveTo>
+                <a:lnTo>
+                  <a:pt x="120000" y="0"/>
+                </a:lnTo>
+                <a:lnTo>
+                  <a:pt x="120000" y="120000"/>
+                </a:lnTo>
+                <a:lnTo>
+                  <a:pt x="0" y="120000"/>
+                </a:lnTo>
+                <a:close/>
+              </a:path>
+            </a:pathLst>
+          </a:custGeom>
+        </p:spPr>
+      </p:sp>
+      <p:sp>
+        <p:nvSpPr>
+          <p:cNvPr id="208" name="Google Shape;208;g1d6f7228ff4_0_72:notes"/>
+          <p:cNvSpPr txBox="1"/>
+          <p:nvPr>
+            <p:ph idx="1" type="body"/>
+          </p:nvPr>
+        </p:nvSpPr>
+        <p:spPr>
+          <a:xfrm>
+            <a:off x="685800" y="4343400"/>
+            <a:ext cx="5486400" cy="4114800"/>
+          </a:xfrm>
+          <a:prstGeom prst="rect">
+            <a:avLst/>
+          </a:prstGeom>
+        </p:spPr>
+        <p:txBody>
+          <a:bodyPr anchorCtr="0" anchor="t" bIns="91425" lIns="91425" spcFirstLastPara="1" rIns="91425" wrap="square" tIns="91425">
+            <a:noAutofit/>
+          </a:bodyPr>
+          <a:lstStyle/>
+          <a:p>
+            <a:pPr indent="0" lvl="0" marL="0" rtl="0" algn="l">
+              <a:spcBef>
+                <a:spcPts val="0"/>
+              </a:spcBef>
+              <a:spcAft>
+                <a:spcPts val="0"/>
+              </a:spcAft>
+              <a:buNone/>
+            </a:pPr>
+            <a:r>
+              <a:t/>
+            </a:r>
+            <a:endParaRPr/>
+          </a:p>
+        </p:txBody>
+      </p:sp>
+    </p:spTree>
+  </p:cSld>
+  <p:clrMapOvr>
+    <a:masterClrMapping/>
+  </p:clrMapOvr>
+</p:notes>
+</file>
+
+<file path=ppt/notesSlides/notesSlide13.xml><?xml version="1.0" encoding="utf-8"?>
+<p:notes xmlns:a="http://schemas.openxmlformats.org/drawingml/2006/main" xmlns:r="http://schemas.openxmlformats.org/officeDocument/2006/relationships" xmlns:mc="http://schemas.openxmlformats.org/markup-compatibility/2006" xmlns:mv="urn:schemas-microsoft-com:mac:vml" xmlns:p="http://schemas.openxmlformats.org/presentationml/2006/main" xmlns:c="http://schemas.openxmlformats.org/drawingml/2006/chart" xmlns:dgm="http://schemas.openxmlformats.org/drawingml/2006/diagram" xmlns:o="urn:schemas-microsoft-com:office:office" xmlns:v="urn:schemas-microsoft-com:vml" xmlns:pvml="urn:schemas-microsoft-com:office:powerpoint" xmlns:com="http://schemas.openxmlformats.org/drawingml/2006/compatibility" xmlns:p14="http://schemas.microsoft.com/office/powerpoint/2010/main" xmlns:p15="http://schemas.microsoft.com/office/powerpoint/2012/main" xmlns:ahyp="http://schemas.microsoft.com/office/drawing/2018/hyperlinkcolor" showMasterPhAnim="0" showMasterSp="0">
+  <p:cSld>
+    <p:spTree>
+      <p:nvGrpSpPr>
+        <p:cNvPr id="212" name="Shape 212"/>
+        <p:cNvGrpSpPr/>
+        <p:nvPr/>
+      </p:nvGrpSpPr>
+      <p:grpSpPr>
+        <a:xfrm>
+          <a:off x="0" y="0"/>
+          <a:ext cx="0" cy="0"/>
+          <a:chOff x="0" y="0"/>
+          <a:chExt cx="0" cy="0"/>
+        </a:xfrm>
+      </p:grpSpPr>
+      <p:sp>
+        <p:nvSpPr>
+          <p:cNvPr id="213" name="Google Shape;213;g1d6f7228ff4_0_425:notes"/>
+          <p:cNvSpPr/>
+          <p:nvPr>
+            <p:ph idx="2" type="sldImg"/>
+          </p:nvPr>
+        </p:nvSpPr>
+        <p:spPr>
+          <a:xfrm>
+            <a:off x="381188" y="685800"/>
+            <a:ext cx="6096300" cy="3429000"/>
+          </a:xfrm>
+          <a:custGeom>
+            <a:rect b="b" l="l" r="r" t="t"/>
+            <a:pathLst>
+              <a:path extrusionOk="0" h="120000" w="120000">
+                <a:moveTo>
+                  <a:pt x="0" y="0"/>
+                </a:moveTo>
+                <a:lnTo>
+                  <a:pt x="120000" y="0"/>
+                </a:lnTo>
+                <a:lnTo>
+                  <a:pt x="120000" y="120000"/>
+                </a:lnTo>
+                <a:lnTo>
+                  <a:pt x="0" y="120000"/>
+                </a:lnTo>
+                <a:close/>
+              </a:path>
+            </a:pathLst>
+          </a:custGeom>
+        </p:spPr>
+      </p:sp>
+      <p:sp>
+        <p:nvSpPr>
+          <p:cNvPr id="214" name="Google Shape;214;g1d6f7228ff4_0_425:notes"/>
+          <p:cNvSpPr txBox="1"/>
+          <p:nvPr>
+            <p:ph idx="1" type="body"/>
+          </p:nvPr>
+        </p:nvSpPr>
+        <p:spPr>
+          <a:xfrm>
+            <a:off x="685800" y="4343400"/>
+            <a:ext cx="5486400" cy="4114800"/>
+          </a:xfrm>
+          <a:prstGeom prst="rect">
+            <a:avLst/>
+          </a:prstGeom>
+        </p:spPr>
+        <p:txBody>
+          <a:bodyPr anchorCtr="0" anchor="t" bIns="91425" lIns="91425" spcFirstLastPara="1" rIns="91425" wrap="square" tIns="91425">
+            <a:noAutofit/>
+          </a:bodyPr>
+          <a:lstStyle/>
+          <a:p>
+            <a:pPr indent="0" lvl="0" marL="0" rtl="0" algn="l">
+              <a:spcBef>
+                <a:spcPts val="0"/>
+              </a:spcBef>
+              <a:spcAft>
+                <a:spcPts val="0"/>
+              </a:spcAft>
+              <a:buNone/>
+            </a:pPr>
+            <a:r>
+              <a:t/>
+            </a:r>
+            <a:endParaRPr/>
+          </a:p>
+        </p:txBody>
+      </p:sp>
+    </p:spTree>
+  </p:cSld>
+  <p:clrMapOvr>
+    <a:masterClrMapping/>
+  </p:clrMapOvr>
+</p:notes>
+</file>
+
+<file path=ppt/notesSlides/notesSlide14.xml><?xml version="1.0" encoding="utf-8"?>
+<p:notes xmlns:a="http://schemas.openxmlformats.org/drawingml/2006/main" xmlns:r="http://schemas.openxmlformats.org/officeDocument/2006/relationships" xmlns:mc="http://schemas.openxmlformats.org/markup-compatibility/2006" xmlns:mv="urn:schemas-microsoft-com:mac:vml" xmlns:p="http://schemas.openxmlformats.org/presentationml/2006/main" xmlns:c="http://schemas.openxmlformats.org/drawingml/2006/chart" xmlns:dgm="http://schemas.openxmlformats.org/drawingml/2006/diagram" xmlns:o="urn:schemas-microsoft-com:office:office" xmlns:v="urn:schemas-microsoft-com:vml" xmlns:pvml="urn:schemas-microsoft-com:office:powerpoint" xmlns:com="http://schemas.openxmlformats.org/drawingml/2006/compatibility" xmlns:p14="http://schemas.microsoft.com/office/powerpoint/2010/main" xmlns:p15="http://schemas.microsoft.com/office/powerpoint/2012/main" xmlns:ahyp="http://schemas.microsoft.com/office/drawing/2018/hyperlinkcolor" showMasterPhAnim="0" showMasterSp="0">
+  <p:cSld>
+    <p:spTree>
+      <p:nvGrpSpPr>
+        <p:cNvPr id="247" name="Shape 247"/>
+        <p:cNvGrpSpPr/>
+        <p:nvPr/>
+      </p:nvGrpSpPr>
+      <p:grpSpPr>
+        <a:xfrm>
+          <a:off x="0" y="0"/>
+          <a:ext cx="0" cy="0"/>
+          <a:chOff x="0" y="0"/>
+          <a:chExt cx="0" cy="0"/>
+        </a:xfrm>
+      </p:grpSpPr>
+      <p:sp>
+        <p:nvSpPr>
+          <p:cNvPr id="248" name="Google Shape;248;g1d6f7228ff4_0_517:notes"/>
+          <p:cNvSpPr/>
+          <p:nvPr>
+            <p:ph idx="2" type="sldImg"/>
+          </p:nvPr>
+        </p:nvSpPr>
+        <p:spPr>
+          <a:xfrm>
+            <a:off x="381300" y="685800"/>
+            <a:ext cx="6096000" cy="3429000"/>
+          </a:xfrm>
+          <a:custGeom>
+            <a:rect b="b" l="l" r="r" t="t"/>
+            <a:pathLst>
+              <a:path extrusionOk="0" h="120000" w="120000">
+                <a:moveTo>
+                  <a:pt x="0" y="0"/>
+                </a:moveTo>
+                <a:lnTo>
+                  <a:pt x="120000" y="0"/>
+                </a:lnTo>
+                <a:lnTo>
+                  <a:pt x="120000" y="120000"/>
+                </a:lnTo>
+                <a:lnTo>
+                  <a:pt x="0" y="120000"/>
+                </a:lnTo>
+                <a:close/>
+              </a:path>
+            </a:pathLst>
+          </a:custGeom>
+        </p:spPr>
+      </p:sp>
+      <p:sp>
+        <p:nvSpPr>
+          <p:cNvPr id="249" name="Google Shape;249;g1d6f7228ff4_0_517:notes"/>
+          <p:cNvSpPr txBox="1"/>
+          <p:nvPr>
+            <p:ph idx="1" type="body"/>
+          </p:nvPr>
+        </p:nvSpPr>
+        <p:spPr>
+          <a:xfrm>
+            <a:off x="685800" y="4343400"/>
+            <a:ext cx="5486400" cy="4114800"/>
+          </a:xfrm>
+          <a:prstGeom prst="rect">
+            <a:avLst/>
+          </a:prstGeom>
+        </p:spPr>
+        <p:txBody>
+          <a:bodyPr anchorCtr="0" anchor="t" bIns="91425" lIns="91425" spcFirstLastPara="1" rIns="91425" wrap="square" tIns="91425">
+            <a:noAutofit/>
+          </a:bodyPr>
+          <a:lstStyle/>
+          <a:p>
+            <a:pPr indent="0" lvl="0" marL="0" rtl="0" algn="l">
+              <a:spcBef>
+                <a:spcPts val="0"/>
+              </a:spcBef>
+              <a:spcAft>
+                <a:spcPts val="0"/>
+              </a:spcAft>
+              <a:buNone/>
+            </a:pPr>
+            <a:r>
+              <a:t/>
+            </a:r>
+            <a:endParaRPr/>
+          </a:p>
+        </p:txBody>
+      </p:sp>
+    </p:spTree>
+  </p:cSld>
+  <p:clrMapOvr>
+    <a:masterClrMapping/>
+  </p:clrMapOvr>
+</p:notes>
+</file>
+
+<file path=ppt/notesSlides/notesSlide15.xml><?xml version="1.0" encoding="utf-8"?>
+<p:notes xmlns:a="http://schemas.openxmlformats.org/drawingml/2006/main" xmlns:r="http://schemas.openxmlformats.org/officeDocument/2006/relationships" xmlns:mc="http://schemas.openxmlformats.org/markup-compatibility/2006" xmlns:mv="urn:schemas-microsoft-com:mac:vml" xmlns:p="http://schemas.openxmlformats.org/presentationml/2006/main" xmlns:c="http://schemas.openxmlformats.org/drawingml/2006/chart" xmlns:dgm="http://schemas.openxmlformats.org/drawingml/2006/diagram" xmlns:o="urn:schemas-microsoft-com:office:office" xmlns:v="urn:schemas-microsoft-com:vml" xmlns:pvml="urn:schemas-microsoft-com:office:powerpoint" xmlns:com="http://schemas.openxmlformats.org/drawingml/2006/compatibility" xmlns:p14="http://schemas.microsoft.com/office/powerpoint/2010/main" xmlns:p15="http://schemas.microsoft.com/office/powerpoint/2012/main" xmlns:ahyp="http://schemas.microsoft.com/office/drawing/2018/hyperlinkcolor" showMasterPhAnim="0" showMasterSp="0">
+  <p:cSld>
+    <p:spTree>
+      <p:nvGrpSpPr>
+        <p:cNvPr id="253" name="Shape 253"/>
+        <p:cNvGrpSpPr/>
+        <p:nvPr/>
+      </p:nvGrpSpPr>
+      <p:grpSpPr>
+        <a:xfrm>
+          <a:off x="0" y="0"/>
+          <a:ext cx="0" cy="0"/>
+          <a:chOff x="0" y="0"/>
+          <a:chExt cx="0" cy="0"/>
+        </a:xfrm>
+      </p:grpSpPr>
+      <p:sp>
+        <p:nvSpPr>
+          <p:cNvPr id="254" name="Google Shape;254;g1d6f7228ff4_0_522:notes"/>
+          <p:cNvSpPr/>
+          <p:nvPr>
+            <p:ph idx="2" type="sldImg"/>
+          </p:nvPr>
+        </p:nvSpPr>
+        <p:spPr>
+          <a:xfrm>
+            <a:off x="381300" y="685800"/>
+            <a:ext cx="6096000" cy="3429000"/>
+          </a:xfrm>
+          <a:custGeom>
+            <a:rect b="b" l="l" r="r" t="t"/>
+            <a:pathLst>
+              <a:path extrusionOk="0" h="120000" w="120000">
+                <a:moveTo>
+                  <a:pt x="0" y="0"/>
+                </a:moveTo>
+                <a:lnTo>
+                  <a:pt x="120000" y="0"/>
+                </a:lnTo>
+                <a:lnTo>
+                  <a:pt x="120000" y="120000"/>
+                </a:lnTo>
+                <a:lnTo>
+                  <a:pt x="0" y="120000"/>
+                </a:lnTo>
+                <a:close/>
+              </a:path>
+            </a:pathLst>
+          </a:custGeom>
+        </p:spPr>
+      </p:sp>
+      <p:sp>
+        <p:nvSpPr>
+          <p:cNvPr id="255" name="Google Shape;255;g1d6f7228ff4_0_522:notes"/>
+          <p:cNvSpPr txBox="1"/>
+          <p:nvPr>
+            <p:ph idx="1" type="body"/>
+          </p:nvPr>
+        </p:nvSpPr>
+        <p:spPr>
+          <a:xfrm>
+            <a:off x="685800" y="4343400"/>
+            <a:ext cx="5486400" cy="4114800"/>
+          </a:xfrm>
+          <a:prstGeom prst="rect">
+            <a:avLst/>
+          </a:prstGeom>
+        </p:spPr>
+        <p:txBody>
+          <a:bodyPr anchorCtr="0" anchor="t" bIns="91425" lIns="91425" spcFirstLastPara="1" rIns="91425" wrap="square" tIns="91425">
+            <a:noAutofit/>
+          </a:bodyPr>
+          <a:lstStyle/>
+          <a:p>
+            <a:pPr indent="0" lvl="0" marL="0" rtl="0" algn="l">
+              <a:spcBef>
+                <a:spcPts val="0"/>
+              </a:spcBef>
+              <a:spcAft>
+                <a:spcPts val="0"/>
+              </a:spcAft>
+              <a:buNone/>
+            </a:pPr>
+            <a:r>
+              <a:t/>
+            </a:r>
+            <a:endParaRPr/>
+          </a:p>
+        </p:txBody>
+      </p:sp>
+    </p:spTree>
+  </p:cSld>
+  <p:clrMapOvr>
+    <a:masterClrMapping/>
+  </p:clrMapOvr>
+</p:notes>
+</file>
+
+<file path=ppt/notesSlides/notesSlide16.xml><?xml version="1.0" encoding="utf-8"?>
+<p:notes xmlns:a="http://schemas.openxmlformats.org/drawingml/2006/main" xmlns:r="http://schemas.openxmlformats.org/officeDocument/2006/relationships" xmlns:mc="http://schemas.openxmlformats.org/markup-compatibility/2006" xmlns:mv="urn:schemas-microsoft-com:mac:vml" xmlns:p="http://schemas.openxmlformats.org/presentationml/2006/main" xmlns:c="http://schemas.openxmlformats.org/drawingml/2006/chart" xmlns:dgm="http://schemas.openxmlformats.org/drawingml/2006/diagram" xmlns:o="urn:schemas-microsoft-com:office:office" xmlns:v="urn:schemas-microsoft-com:vml" xmlns:pvml="urn:schemas-microsoft-com:office:powerpoint" xmlns:com="http://schemas.openxmlformats.org/drawingml/2006/compatibility" xmlns:p14="http://schemas.microsoft.com/office/powerpoint/2010/main" xmlns:p15="http://schemas.microsoft.com/office/powerpoint/2012/main" xmlns:ahyp="http://schemas.microsoft.com/office/drawing/2018/hyperlinkcolor" showMasterPhAnim="0" showMasterSp="0">
+  <p:cSld>
+    <p:spTree>
+      <p:nvGrpSpPr>
+        <p:cNvPr id="260" name="Shape 260"/>
+        <p:cNvGrpSpPr/>
+        <p:nvPr/>
+      </p:nvGrpSpPr>
+      <p:grpSpPr>
+        <a:xfrm>
+          <a:off x="0" y="0"/>
+          <a:ext cx="0" cy="0"/>
+          <a:chOff x="0" y="0"/>
+          <a:chExt cx="0" cy="0"/>
+        </a:xfrm>
+      </p:grpSpPr>
+      <p:sp>
+        <p:nvSpPr>
+          <p:cNvPr id="261" name="Google Shape;261;g1d6f7228ff4_0_77:notes"/>
+          <p:cNvSpPr/>
+          <p:nvPr>
+            <p:ph idx="2" type="sldImg"/>
+          </p:nvPr>
+        </p:nvSpPr>
+        <p:spPr>
+          <a:xfrm>
+            <a:off x="381300" y="685800"/>
+            <a:ext cx="6096000" cy="3429000"/>
+          </a:xfrm>
+          <a:custGeom>
+            <a:rect b="b" l="l" r="r" t="t"/>
+            <a:pathLst>
+              <a:path extrusionOk="0" h="120000" w="120000">
+                <a:moveTo>
+                  <a:pt x="0" y="0"/>
+                </a:moveTo>
+                <a:lnTo>
+                  <a:pt x="120000" y="0"/>
+                </a:lnTo>
+                <a:lnTo>
+                  <a:pt x="120000" y="120000"/>
+                </a:lnTo>
+                <a:lnTo>
+                  <a:pt x="0" y="120000"/>
+                </a:lnTo>
+                <a:close/>
+              </a:path>
+            </a:pathLst>
+          </a:custGeom>
+        </p:spPr>
+      </p:sp>
+      <p:sp>
+        <p:nvSpPr>
+          <p:cNvPr id="262" name="Google Shape;262;g1d6f7228ff4_0_77:notes"/>
           <p:cNvSpPr txBox="1"/>
           <p:nvPr>
             <p:ph idx="1" type="body"/>
@@ -1429,7 +1929,7 @@
   <p:cSld>
     <p:spTree>
       <p:nvGrpSpPr>
-        <p:cNvPr id="151" name="Shape 151"/>
+        <p:cNvPr id="152" name="Shape 152"/>
         <p:cNvGrpSpPr/>
         <p:nvPr/>
       </p:nvGrpSpPr>
@@ -1443,7 +1943,7 @@
       </p:grpSpPr>
       <p:sp>
         <p:nvSpPr>
-          <p:cNvPr id="152" name="Google Shape;152;g1d6f7228ff4_0_5:notes"/>
+          <p:cNvPr id="153" name="Google Shape;153;g1d6f7228ff4_0_5:notes"/>
           <p:cNvSpPr/>
           <p:nvPr>
             <p:ph idx="2" type="sldImg"/>
@@ -1478,7 +1978,7 @@
       </p:sp>
       <p:sp>
         <p:nvSpPr>
-          <p:cNvPr id="153" name="Google Shape;153;g1d6f7228ff4_0_5:notes"/>
+          <p:cNvPr id="154" name="Google Shape;154;g1d6f7228ff4_0_5:notes"/>
           <p:cNvSpPr txBox="1"/>
           <p:nvPr>
             <p:ph idx="1" type="body"/>
@@ -1528,7 +2028,7 @@
   <p:cSld>
     <p:spTree>
       <p:nvGrpSpPr>
-        <p:cNvPr id="162" name="Shape 162"/>
+        <p:cNvPr id="163" name="Shape 163"/>
         <p:cNvGrpSpPr/>
         <p:nvPr/>
       </p:nvGrpSpPr>
@@ -1542,7 +2042,7 @@
       </p:grpSpPr>
       <p:sp>
         <p:nvSpPr>
-          <p:cNvPr id="163" name="Google Shape;163;g1d6f7228ff4_0_17:notes"/>
+          <p:cNvPr id="164" name="Google Shape;164;g1d6f7228ff4_0_17:notes"/>
           <p:cNvSpPr/>
           <p:nvPr>
             <p:ph idx="2" type="sldImg"/>
@@ -1577,7 +2077,7 @@
       </p:sp>
       <p:sp>
         <p:nvSpPr>
-          <p:cNvPr id="164" name="Google Shape;164;g1d6f7228ff4_0_17:notes"/>
+          <p:cNvPr id="165" name="Google Shape;165;g1d6f7228ff4_0_17:notes"/>
           <p:cNvSpPr txBox="1"/>
           <p:nvPr>
             <p:ph idx="1" type="body"/>
@@ -1627,7 +2127,7 @@
   <p:cSld>
     <p:spTree>
       <p:nvGrpSpPr>
-        <p:cNvPr id="173" name="Shape 173"/>
+        <p:cNvPr id="174" name="Shape 174"/>
         <p:cNvGrpSpPr/>
         <p:nvPr/>
       </p:nvGrpSpPr>
@@ -1641,7 +2141,7 @@
       </p:grpSpPr>
       <p:sp>
         <p:nvSpPr>
-          <p:cNvPr id="174" name="Google Shape;174;g1d6f7228ff4_0_55:notes"/>
+          <p:cNvPr id="175" name="Google Shape;175;g1d6f7228ff4_0_55:notes"/>
           <p:cNvSpPr/>
           <p:nvPr>
             <p:ph idx="2" type="sldImg"/>
@@ -1676,7 +2176,7 @@
       </p:sp>
       <p:sp>
         <p:nvSpPr>
-          <p:cNvPr id="175" name="Google Shape;175;g1d6f7228ff4_0_55:notes"/>
+          <p:cNvPr id="176" name="Google Shape;176;g1d6f7228ff4_0_55:notes"/>
           <p:cNvSpPr txBox="1"/>
           <p:nvPr>
             <p:ph idx="1" type="body"/>
@@ -1726,7 +2226,7 @@
   <p:cSld>
     <p:spTree>
       <p:nvGrpSpPr>
-        <p:cNvPr id="183" name="Shape 183"/>
+        <p:cNvPr id="184" name="Shape 184"/>
         <p:cNvGrpSpPr/>
         <p:nvPr/>
       </p:nvGrpSpPr>
@@ -1740,7 +2240,7 @@
       </p:grpSpPr>
       <p:sp>
         <p:nvSpPr>
-          <p:cNvPr id="184" name="Google Shape;184;g1d6f7228ff4_0_28:notes"/>
+          <p:cNvPr id="185" name="Google Shape;185;g1d6f7228ff4_0_28:notes"/>
           <p:cNvSpPr/>
           <p:nvPr>
             <p:ph idx="2" type="sldImg"/>
@@ -1775,7 +2275,7 @@
       </p:sp>
       <p:sp>
         <p:nvSpPr>
-          <p:cNvPr id="185" name="Google Shape;185;g1d6f7228ff4_0_28:notes"/>
+          <p:cNvPr id="186" name="Google Shape;186;g1d6f7228ff4_0_28:notes"/>
           <p:cNvSpPr txBox="1"/>
           <p:nvPr>
             <p:ph idx="1" type="body"/>
@@ -15292,7 +15792,7 @@
   <p:cSld>
     <p:spTree>
       <p:nvGrpSpPr>
-        <p:cNvPr id="196" name="Shape 196"/>
+        <p:cNvPr id="197" name="Shape 197"/>
         <p:cNvGrpSpPr/>
         <p:nvPr/>
       </p:nvGrpSpPr>
@@ -15306,7 +15806,7 @@
       </p:grpSpPr>
       <p:sp>
         <p:nvSpPr>
-          <p:cNvPr id="197" name="Google Shape;197;p34"/>
+          <p:cNvPr id="198" name="Google Shape;198;p34"/>
           <p:cNvSpPr/>
           <p:nvPr/>
         </p:nvSpPr>
@@ -15349,7 +15849,7 @@
       </p:sp>
       <p:sp>
         <p:nvSpPr>
-          <p:cNvPr id="198" name="Google Shape;198;p34"/>
+          <p:cNvPr id="199" name="Google Shape;199;p34"/>
           <p:cNvSpPr txBox="1"/>
           <p:nvPr>
             <p:ph type="ctrTitle"/>
@@ -15423,7 +15923,7 @@
   <p:cSld>
     <p:spTree>
       <p:nvGrpSpPr>
-        <p:cNvPr id="202" name="Shape 202"/>
+        <p:cNvPr id="203" name="Shape 203"/>
         <p:cNvGrpSpPr/>
         <p:nvPr/>
       </p:nvGrpSpPr>
@@ -15437,7 +15937,7 @@
       </p:grpSpPr>
       <p:sp>
         <p:nvSpPr>
-          <p:cNvPr id="203" name="Google Shape;203;p35"/>
+          <p:cNvPr id="204" name="Google Shape;204;p35"/>
           <p:cNvSpPr/>
           <p:nvPr/>
         </p:nvSpPr>
@@ -15480,7 +15980,7 @@
       </p:sp>
       <p:sp>
         <p:nvSpPr>
-          <p:cNvPr id="204" name="Google Shape;204;p35"/>
+          <p:cNvPr id="205" name="Google Shape;205;p35"/>
           <p:cNvSpPr txBox="1"/>
           <p:nvPr>
             <p:ph type="ctrTitle"/>
@@ -15541,6 +16041,1762 @@
           </a:p>
         </p:txBody>
       </p:sp>
+    </p:spTree>
+  </p:cSld>
+  <p:clrMapOvr>
+    <a:masterClrMapping/>
+  </p:clrMapOvr>
+</p:sld>
+</file>
+
+<file path=ppt/slides/slide12.xml><?xml version="1.0" encoding="utf-8"?>
+<p:sld xmlns:a="http://schemas.openxmlformats.org/drawingml/2006/main" xmlns:r="http://schemas.openxmlformats.org/officeDocument/2006/relationships" xmlns:mc="http://schemas.openxmlformats.org/markup-compatibility/2006" xmlns:mv="urn:schemas-microsoft-com:mac:vml" xmlns:p="http://schemas.openxmlformats.org/presentationml/2006/main" xmlns:c="http://schemas.openxmlformats.org/drawingml/2006/chart" xmlns:dgm="http://schemas.openxmlformats.org/drawingml/2006/diagram" xmlns:o="urn:schemas-microsoft-com:office:office" xmlns:v="urn:schemas-microsoft-com:vml" xmlns:pvml="urn:schemas-microsoft-com:office:powerpoint" xmlns:com="http://schemas.openxmlformats.org/drawingml/2006/compatibility" xmlns:p14="http://schemas.microsoft.com/office/powerpoint/2010/main" xmlns:p15="http://schemas.microsoft.com/office/powerpoint/2012/main" xmlns:ahyp="http://schemas.microsoft.com/office/drawing/2018/hyperlinkcolor">
+  <p:cSld>
+    <p:spTree>
+      <p:nvGrpSpPr>
+        <p:cNvPr id="209" name="Shape 209"/>
+        <p:cNvGrpSpPr/>
+        <p:nvPr/>
+      </p:nvGrpSpPr>
+      <p:grpSpPr>
+        <a:xfrm>
+          <a:off x="0" y="0"/>
+          <a:ext cx="0" cy="0"/>
+          <a:chOff x="0" y="0"/>
+          <a:chExt cx="0" cy="0"/>
+        </a:xfrm>
+      </p:grpSpPr>
+      <p:sp>
+        <p:nvSpPr>
+          <p:cNvPr id="210" name="Google Shape;210;p36"/>
+          <p:cNvSpPr/>
+          <p:nvPr/>
+        </p:nvSpPr>
+        <p:spPr>
+          <a:xfrm>
+            <a:off x="-22250" y="-2425"/>
+            <a:ext cx="9166200" cy="5143500"/>
+          </a:xfrm>
+          <a:prstGeom prst="rect">
+            <a:avLst/>
+          </a:prstGeom>
+          <a:solidFill>
+            <a:schemeClr val="lt2"/>
+          </a:solidFill>
+          <a:ln>
+            <a:noFill/>
+          </a:ln>
+        </p:spPr>
+        <p:txBody>
+          <a:bodyPr anchorCtr="0" anchor="ctr" bIns="91425" lIns="91425" spcFirstLastPara="1" rIns="91425" wrap="square" tIns="91425">
+            <a:noAutofit/>
+          </a:bodyPr>
+          <a:lstStyle/>
+          <a:p>
+            <a:pPr indent="0" lvl="0" marL="0" rtl="0" algn="l">
+              <a:spcBef>
+                <a:spcPts val="0"/>
+              </a:spcBef>
+              <a:spcAft>
+                <a:spcPts val="0"/>
+              </a:spcAft>
+              <a:buNone/>
+            </a:pPr>
+            <a:r>
+              <a:t/>
+            </a:r>
+            <a:endParaRPr/>
+          </a:p>
+        </p:txBody>
+      </p:sp>
+      <p:sp>
+        <p:nvSpPr>
+          <p:cNvPr id="211" name="Google Shape;211;p36"/>
+          <p:cNvSpPr txBox="1"/>
+          <p:nvPr>
+            <p:ph type="ctrTitle"/>
+          </p:nvPr>
+        </p:nvSpPr>
+        <p:spPr>
+          <a:xfrm>
+            <a:off x="311708" y="1066025"/>
+            <a:ext cx="8520600" cy="2052600"/>
+          </a:xfrm>
+          <a:prstGeom prst="rect">
+            <a:avLst/>
+          </a:prstGeom>
+        </p:spPr>
+        <p:txBody>
+          <a:bodyPr anchorCtr="0" anchor="b" bIns="91425" lIns="91425" spcFirstLastPara="1" rIns="91425" wrap="square" tIns="91425">
+            <a:normAutofit/>
+          </a:bodyPr>
+          <a:lstStyle/>
+          <a:p>
+            <a:pPr indent="0" lvl="0" marL="0" rtl="0" algn="ctr">
+              <a:spcBef>
+                <a:spcPts val="0"/>
+              </a:spcBef>
+              <a:spcAft>
+                <a:spcPts val="0"/>
+              </a:spcAft>
+              <a:buNone/>
+            </a:pPr>
+            <a:r>
+              <a:t/>
+            </a:r>
+            <a:endParaRPr/>
+          </a:p>
+          <a:p>
+            <a:pPr indent="0" lvl="0" marL="0" rtl="0" algn="ctr">
+              <a:spcBef>
+                <a:spcPts val="0"/>
+              </a:spcBef>
+              <a:spcAft>
+                <a:spcPts val="0"/>
+              </a:spcAft>
+              <a:buNone/>
+            </a:pPr>
+            <a:r>
+              <a:rPr b="1" lang="ja">
+                <a:solidFill>
+                  <a:srgbClr val="000000"/>
+                </a:solidFill>
+              </a:rPr>
+              <a:t>MILESTONE</a:t>
+            </a:r>
+            <a:endParaRPr b="1">
+              <a:solidFill>
+                <a:srgbClr val="000000"/>
+              </a:solidFill>
+            </a:endParaRPr>
+          </a:p>
+        </p:txBody>
+      </p:sp>
+    </p:spTree>
+  </p:cSld>
+  <p:clrMapOvr>
+    <a:masterClrMapping/>
+  </p:clrMapOvr>
+</p:sld>
+</file>
+
+<file path=ppt/slides/slide13.xml><?xml version="1.0" encoding="utf-8"?>
+<p:sld xmlns:a="http://schemas.openxmlformats.org/drawingml/2006/main" xmlns:r="http://schemas.openxmlformats.org/officeDocument/2006/relationships" xmlns:mc="http://schemas.openxmlformats.org/markup-compatibility/2006" xmlns:mv="urn:schemas-microsoft-com:mac:vml" xmlns:p="http://schemas.openxmlformats.org/presentationml/2006/main" xmlns:c="http://schemas.openxmlformats.org/drawingml/2006/chart" xmlns:dgm="http://schemas.openxmlformats.org/drawingml/2006/diagram" xmlns:o="urn:schemas-microsoft-com:office:office" xmlns:v="urn:schemas-microsoft-com:vml" xmlns:pvml="urn:schemas-microsoft-com:office:powerpoint" xmlns:com="http://schemas.openxmlformats.org/drawingml/2006/compatibility" xmlns:p14="http://schemas.microsoft.com/office/powerpoint/2010/main" xmlns:p15="http://schemas.microsoft.com/office/powerpoint/2012/main" xmlns:ahyp="http://schemas.microsoft.com/office/drawing/2018/hyperlinkcolor">
+  <p:cSld>
+    <p:spTree>
+      <p:nvGrpSpPr>
+        <p:cNvPr id="215" name="Shape 215"/>
+        <p:cNvGrpSpPr/>
+        <p:nvPr/>
+      </p:nvGrpSpPr>
+      <p:grpSpPr>
+        <a:xfrm>
+          <a:off x="0" y="0"/>
+          <a:ext cx="0" cy="0"/>
+          <a:chOff x="0" y="0"/>
+          <a:chExt cx="0" cy="0"/>
+        </a:xfrm>
+      </p:grpSpPr>
+      <p:sp>
+        <p:nvSpPr>
+          <p:cNvPr id="216" name="Google Shape;216;p37"/>
+          <p:cNvSpPr/>
+          <p:nvPr/>
+        </p:nvSpPr>
+        <p:spPr>
+          <a:xfrm>
+            <a:off x="-22250" y="-2425"/>
+            <a:ext cx="9166200" cy="5143500"/>
+          </a:xfrm>
+          <a:prstGeom prst="rect">
+            <a:avLst/>
+          </a:prstGeom>
+          <a:solidFill>
+            <a:schemeClr val="lt2"/>
+          </a:solidFill>
+          <a:ln>
+            <a:noFill/>
+          </a:ln>
+        </p:spPr>
+        <p:txBody>
+          <a:bodyPr anchorCtr="0" anchor="ctr" bIns="91425" lIns="91425" spcFirstLastPara="1" rIns="91425" wrap="square" tIns="91425">
+            <a:noAutofit/>
+          </a:bodyPr>
+          <a:lstStyle/>
+          <a:p>
+            <a:pPr indent="0" lvl="0" marL="0" rtl="0" algn="l">
+              <a:spcBef>
+                <a:spcPts val="0"/>
+              </a:spcBef>
+              <a:spcAft>
+                <a:spcPts val="0"/>
+              </a:spcAft>
+              <a:buNone/>
+            </a:pPr>
+            <a:r>
+              <a:t/>
+            </a:r>
+            <a:endParaRPr/>
+          </a:p>
+        </p:txBody>
+      </p:sp>
+      <p:sp>
+        <p:nvSpPr>
+          <p:cNvPr id="217" name="Google Shape;217;p37"/>
+          <p:cNvSpPr/>
+          <p:nvPr/>
+        </p:nvSpPr>
+        <p:spPr>
+          <a:xfrm>
+            <a:off x="340934" y="2199000"/>
+            <a:ext cx="1872300" cy="745500"/>
+          </a:xfrm>
+          <a:prstGeom prst="homePlate">
+            <a:avLst>
+              <a:gd fmla="val 50000" name="adj"/>
+            </a:avLst>
+          </a:prstGeom>
+          <a:solidFill>
+            <a:schemeClr val="dk1"/>
+          </a:solidFill>
+          <a:ln cap="flat" cmpd="sng" w="9525">
+            <a:solidFill>
+              <a:schemeClr val="lt1"/>
+            </a:solidFill>
+            <a:prstDash val="solid"/>
+            <a:round/>
+            <a:headEnd len="sm" w="sm" type="none"/>
+            <a:tailEnd len="sm" w="sm" type="none"/>
+          </a:ln>
+        </p:spPr>
+        <p:txBody>
+          <a:bodyPr anchorCtr="0" anchor="ctr" bIns="121875" lIns="121875" spcFirstLastPara="1" rIns="121875" wrap="square" tIns="121875">
+            <a:noAutofit/>
+          </a:bodyPr>
+          <a:lstStyle/>
+          <a:p>
+            <a:pPr indent="0" lvl="0" marL="0" rtl="0" algn="l">
+              <a:spcBef>
+                <a:spcPts val="0"/>
+              </a:spcBef>
+              <a:spcAft>
+                <a:spcPts val="0"/>
+              </a:spcAft>
+              <a:buNone/>
+            </a:pPr>
+            <a:r>
+              <a:t/>
+            </a:r>
+            <a:endParaRPr/>
+          </a:p>
+        </p:txBody>
+      </p:sp>
+      <p:sp>
+        <p:nvSpPr>
+          <p:cNvPr id="218" name="Google Shape;218;p37"/>
+          <p:cNvSpPr txBox="1"/>
+          <p:nvPr>
+            <p:ph idx="4294967295" type="body"/>
+          </p:nvPr>
+        </p:nvSpPr>
+        <p:spPr>
+          <a:xfrm>
+            <a:off x="340923" y="2336550"/>
+            <a:ext cx="1455600" cy="470400"/>
+          </a:xfrm>
+          <a:prstGeom prst="rect">
+            <a:avLst/>
+          </a:prstGeom>
+        </p:spPr>
+        <p:txBody>
+          <a:bodyPr anchorCtr="0" anchor="ctr" bIns="91425" lIns="91425" spcFirstLastPara="1" rIns="91425" wrap="square" tIns="91425">
+            <a:normAutofit/>
+          </a:bodyPr>
+          <a:lstStyle/>
+          <a:p>
+            <a:pPr indent="0" lvl="0" marL="0" rtl="0" algn="ctr">
+              <a:lnSpc>
+                <a:spcPct val="100000"/>
+              </a:lnSpc>
+              <a:spcBef>
+                <a:spcPts val="0"/>
+              </a:spcBef>
+              <a:spcAft>
+                <a:spcPts val="0"/>
+              </a:spcAft>
+              <a:buNone/>
+            </a:pPr>
+            <a:r>
+              <a:rPr lang="ja">
+                <a:solidFill>
+                  <a:schemeClr val="lt1"/>
+                </a:solidFill>
+              </a:rPr>
+              <a:t>探求</a:t>
+            </a:r>
+            <a:endParaRPr>
+              <a:solidFill>
+                <a:schemeClr val="lt1"/>
+              </a:solidFill>
+            </a:endParaRPr>
+          </a:p>
+        </p:txBody>
+      </p:sp>
+      <p:grpSp>
+        <p:nvGrpSpPr>
+          <p:cNvPr id="219" name="Google Shape;219;p37"/>
+          <p:cNvGrpSpPr/>
+          <p:nvPr/>
+        </p:nvGrpSpPr>
+        <p:grpSpPr>
+          <a:xfrm>
+            <a:off x="912820" y="1610215"/>
+            <a:ext cx="198900" cy="593656"/>
+            <a:chOff x="777447" y="1610215"/>
+            <a:chExt cx="198900" cy="593656"/>
+          </a:xfrm>
+        </p:grpSpPr>
+        <p:cxnSp>
+          <p:nvCxnSpPr>
+            <p:cNvPr id="220" name="Google Shape;220;p37"/>
+            <p:cNvCxnSpPr/>
+            <p:nvPr/>
+          </p:nvCxnSpPr>
+          <p:spPr>
+            <a:xfrm>
+              <a:off x="876909" y="1649171"/>
+              <a:ext cx="0" cy="554700"/>
+            </a:xfrm>
+            <a:prstGeom prst="straightConnector1">
+              <a:avLst/>
+            </a:prstGeom>
+            <a:noFill/>
+            <a:ln cap="flat" cmpd="sng" w="9525">
+              <a:solidFill>
+                <a:schemeClr val="dk2"/>
+              </a:solidFill>
+              <a:prstDash val="solid"/>
+              <a:round/>
+              <a:headEnd len="sm" w="sm" type="none"/>
+              <a:tailEnd len="sm" w="sm" type="none"/>
+            </a:ln>
+          </p:spPr>
+        </p:cxnSp>
+        <p:sp>
+          <p:nvSpPr>
+            <p:cNvPr id="221" name="Google Shape;221;p37"/>
+            <p:cNvSpPr/>
+            <p:nvPr/>
+          </p:nvSpPr>
+          <p:spPr>
+            <a:xfrm>
+              <a:off x="777447" y="1610215"/>
+              <a:ext cx="198900" cy="198900"/>
+            </a:xfrm>
+            <a:prstGeom prst="ellipse">
+              <a:avLst/>
+            </a:prstGeom>
+            <a:solidFill>
+              <a:schemeClr val="accent6"/>
+            </a:solidFill>
+            <a:ln>
+              <a:noFill/>
+            </a:ln>
+          </p:spPr>
+          <p:txBody>
+            <a:bodyPr anchorCtr="0" anchor="ctr" bIns="91425" lIns="91425" spcFirstLastPara="1" rIns="91425" wrap="square" tIns="91425">
+              <a:noAutofit/>
+            </a:bodyPr>
+            <a:lstStyle/>
+            <a:p>
+              <a:pPr indent="0" lvl="0" marL="0" rtl="0" algn="l">
+                <a:spcBef>
+                  <a:spcPts val="0"/>
+                </a:spcBef>
+                <a:spcAft>
+                  <a:spcPts val="0"/>
+                </a:spcAft>
+                <a:buNone/>
+              </a:pPr>
+              <a:r>
+                <a:t/>
+              </a:r>
+              <a:endParaRPr/>
+            </a:p>
+          </p:txBody>
+        </p:sp>
+      </p:grpSp>
+      <p:sp>
+        <p:nvSpPr>
+          <p:cNvPr id="222" name="Google Shape;222;p37"/>
+          <p:cNvSpPr txBox="1"/>
+          <p:nvPr>
+            <p:ph idx="4294967295" type="body"/>
+          </p:nvPr>
+        </p:nvSpPr>
+        <p:spPr>
+          <a:xfrm>
+            <a:off x="340925" y="703925"/>
+            <a:ext cx="2242800" cy="906300"/>
+          </a:xfrm>
+          <a:prstGeom prst="rect">
+            <a:avLst/>
+          </a:prstGeom>
+        </p:spPr>
+        <p:txBody>
+          <a:bodyPr anchorCtr="0" anchor="t" bIns="91425" lIns="91425" spcFirstLastPara="1" rIns="91425" wrap="square" tIns="91425">
+            <a:normAutofit lnSpcReduction="20000"/>
+          </a:bodyPr>
+          <a:lstStyle/>
+          <a:p>
+            <a:pPr indent="0" lvl="0" marL="0" rtl="0" algn="l">
+              <a:spcBef>
+                <a:spcPts val="0"/>
+              </a:spcBef>
+              <a:spcAft>
+                <a:spcPts val="1200"/>
+              </a:spcAft>
+              <a:buNone/>
+            </a:pPr>
+            <a:r>
+              <a:rPr lang="ja" sz="1600"/>
+              <a:t>30~34</a:t>
+            </a:r>
+            <a:br>
+              <a:rPr lang="ja" sz="1600"/>
+            </a:br>
+            <a:r>
+              <a:rPr lang="ja" sz="1600"/>
+              <a:t>・身体拡張を探求するため博士課程に行く</a:t>
+            </a:r>
+            <a:endParaRPr sz="1600"/>
+          </a:p>
+        </p:txBody>
+      </p:sp>
+      <p:sp>
+        <p:nvSpPr>
+          <p:cNvPr id="223" name="Google Shape;223;p37"/>
+          <p:cNvSpPr/>
+          <p:nvPr/>
+        </p:nvSpPr>
+        <p:spPr>
+          <a:xfrm>
+            <a:off x="1817054" y="2199000"/>
+            <a:ext cx="2051100" cy="745500"/>
+          </a:xfrm>
+          <a:prstGeom prst="chevron">
+            <a:avLst>
+              <a:gd fmla="val 50000" name="adj"/>
+            </a:avLst>
+          </a:prstGeom>
+          <a:solidFill>
+            <a:schemeClr val="dk1"/>
+          </a:solidFill>
+          <a:ln cap="flat" cmpd="sng" w="9525">
+            <a:solidFill>
+              <a:schemeClr val="lt1"/>
+            </a:solidFill>
+            <a:prstDash val="solid"/>
+            <a:round/>
+            <a:headEnd len="sm" w="sm" type="none"/>
+            <a:tailEnd len="sm" w="sm" type="none"/>
+          </a:ln>
+        </p:spPr>
+        <p:txBody>
+          <a:bodyPr anchorCtr="0" anchor="ctr" bIns="121875" lIns="121875" spcFirstLastPara="1" rIns="121875" wrap="square" tIns="121875">
+            <a:noAutofit/>
+          </a:bodyPr>
+          <a:lstStyle/>
+          <a:p>
+            <a:pPr indent="0" lvl="0" marL="0" rtl="0" algn="l">
+              <a:spcBef>
+                <a:spcPts val="0"/>
+              </a:spcBef>
+              <a:spcAft>
+                <a:spcPts val="0"/>
+              </a:spcAft>
+              <a:buNone/>
+            </a:pPr>
+            <a:r>
+              <a:t/>
+            </a:r>
+            <a:endParaRPr/>
+          </a:p>
+        </p:txBody>
+      </p:sp>
+      <p:sp>
+        <p:nvSpPr>
+          <p:cNvPr id="224" name="Google Shape;224;p37"/>
+          <p:cNvSpPr txBox="1"/>
+          <p:nvPr>
+            <p:ph idx="4294967295" type="body"/>
+          </p:nvPr>
+        </p:nvSpPr>
+        <p:spPr>
+          <a:xfrm>
+            <a:off x="2126317" y="2336550"/>
+            <a:ext cx="1315500" cy="470400"/>
+          </a:xfrm>
+          <a:prstGeom prst="rect">
+            <a:avLst/>
+          </a:prstGeom>
+        </p:spPr>
+        <p:txBody>
+          <a:bodyPr anchorCtr="0" anchor="ctr" bIns="91425" lIns="91425" spcFirstLastPara="1" rIns="91425" wrap="square" tIns="91425">
+            <a:normAutofit/>
+          </a:bodyPr>
+          <a:lstStyle/>
+          <a:p>
+            <a:pPr indent="0" lvl="0" marL="0" rtl="0" algn="ctr">
+              <a:lnSpc>
+                <a:spcPct val="100000"/>
+              </a:lnSpc>
+              <a:spcBef>
+                <a:spcPts val="0"/>
+              </a:spcBef>
+              <a:spcAft>
+                <a:spcPts val="0"/>
+              </a:spcAft>
+              <a:buNone/>
+            </a:pPr>
+            <a:r>
+              <a:rPr lang="ja">
+                <a:solidFill>
+                  <a:schemeClr val="lt1"/>
+                </a:solidFill>
+              </a:rPr>
+              <a:t>旗揚げ</a:t>
+            </a:r>
+            <a:endParaRPr>
+              <a:solidFill>
+                <a:schemeClr val="lt1"/>
+              </a:solidFill>
+            </a:endParaRPr>
+          </a:p>
+        </p:txBody>
+      </p:sp>
+      <p:grpSp>
+        <p:nvGrpSpPr>
+          <p:cNvPr id="225" name="Google Shape;225;p37"/>
+          <p:cNvGrpSpPr/>
+          <p:nvPr/>
+        </p:nvGrpSpPr>
+        <p:grpSpPr>
+          <a:xfrm>
+            <a:off x="2266282" y="2938958"/>
+            <a:ext cx="198900" cy="593656"/>
+            <a:chOff x="2223534" y="2938958"/>
+            <a:chExt cx="198900" cy="593656"/>
+          </a:xfrm>
+        </p:grpSpPr>
+        <p:cxnSp>
+          <p:nvCxnSpPr>
+            <p:cNvPr id="226" name="Google Shape;226;p37"/>
+            <p:cNvCxnSpPr/>
+            <p:nvPr/>
+          </p:nvCxnSpPr>
+          <p:spPr>
+            <a:xfrm rot="10800000">
+              <a:off x="2322997" y="2938958"/>
+              <a:ext cx="0" cy="554700"/>
+            </a:xfrm>
+            <a:prstGeom prst="straightConnector1">
+              <a:avLst/>
+            </a:prstGeom>
+            <a:noFill/>
+            <a:ln cap="flat" cmpd="sng" w="9525">
+              <a:solidFill>
+                <a:schemeClr val="dk2"/>
+              </a:solidFill>
+              <a:prstDash val="solid"/>
+              <a:round/>
+              <a:headEnd len="sm" w="sm" type="none"/>
+              <a:tailEnd len="sm" w="sm" type="none"/>
+            </a:ln>
+          </p:spPr>
+        </p:cxnSp>
+        <p:sp>
+          <p:nvSpPr>
+            <p:cNvPr id="227" name="Google Shape;227;p37"/>
+            <p:cNvSpPr/>
+            <p:nvPr/>
+          </p:nvSpPr>
+          <p:spPr>
+            <a:xfrm flipH="1" rot="10800000">
+              <a:off x="2223534" y="3333714"/>
+              <a:ext cx="198900" cy="198900"/>
+            </a:xfrm>
+            <a:prstGeom prst="ellipse">
+              <a:avLst/>
+            </a:prstGeom>
+            <a:solidFill>
+              <a:schemeClr val="accent6"/>
+            </a:solidFill>
+            <a:ln>
+              <a:noFill/>
+            </a:ln>
+          </p:spPr>
+          <p:txBody>
+            <a:bodyPr anchorCtr="0" anchor="ctr" bIns="91425" lIns="91425" spcFirstLastPara="1" rIns="91425" wrap="square" tIns="91425">
+              <a:noAutofit/>
+            </a:bodyPr>
+            <a:lstStyle/>
+            <a:p>
+              <a:pPr indent="0" lvl="0" marL="0" rtl="0" algn="l">
+                <a:spcBef>
+                  <a:spcPts val="0"/>
+                </a:spcBef>
+                <a:spcAft>
+                  <a:spcPts val="0"/>
+                </a:spcAft>
+                <a:buNone/>
+              </a:pPr>
+              <a:r>
+                <a:t/>
+              </a:r>
+              <a:endParaRPr/>
+            </a:p>
+          </p:txBody>
+        </p:sp>
+      </p:grpSp>
+      <p:sp>
+        <p:nvSpPr>
+          <p:cNvPr id="228" name="Google Shape;228;p37"/>
+          <p:cNvSpPr txBox="1"/>
+          <p:nvPr>
+            <p:ph idx="4294967295" type="body"/>
+          </p:nvPr>
+        </p:nvSpPr>
+        <p:spPr>
+          <a:xfrm>
+            <a:off x="1244337" y="3757725"/>
+            <a:ext cx="2242800" cy="906300"/>
+          </a:xfrm>
+          <a:prstGeom prst="rect">
+            <a:avLst/>
+          </a:prstGeom>
+        </p:spPr>
+        <p:txBody>
+          <a:bodyPr anchorCtr="0" anchor="t" bIns="91425" lIns="91425" spcFirstLastPara="1" rIns="91425" wrap="square" tIns="91425">
+            <a:noAutofit/>
+          </a:bodyPr>
+          <a:lstStyle/>
+          <a:p>
+            <a:pPr indent="0" lvl="0" marL="0" rtl="0" algn="l">
+              <a:spcBef>
+                <a:spcPts val="0"/>
+              </a:spcBef>
+              <a:spcAft>
+                <a:spcPts val="1200"/>
+              </a:spcAft>
+              <a:buSzPts val="935"/>
+              <a:buNone/>
+            </a:pPr>
+            <a:r>
+              <a:rPr lang="ja" sz="1460"/>
+              <a:t>35~40</a:t>
+            </a:r>
+            <a:br>
+              <a:rPr lang="ja" sz="1460"/>
+            </a:br>
+            <a:r>
+              <a:rPr lang="ja" sz="1460"/>
+              <a:t>・社会システムに身体拡張を組み込むために起業</a:t>
+            </a:r>
+            <a:endParaRPr sz="1460"/>
+          </a:p>
+        </p:txBody>
+      </p:sp>
+      <p:sp>
+        <p:nvSpPr>
+          <p:cNvPr id="229" name="Google Shape;229;p37"/>
+          <p:cNvSpPr/>
+          <p:nvPr/>
+        </p:nvSpPr>
+        <p:spPr>
+          <a:xfrm>
+            <a:off x="3471973" y="2199000"/>
+            <a:ext cx="2051100" cy="745500"/>
+          </a:xfrm>
+          <a:prstGeom prst="chevron">
+            <a:avLst>
+              <a:gd fmla="val 50000" name="adj"/>
+            </a:avLst>
+          </a:prstGeom>
+          <a:solidFill>
+            <a:schemeClr val="dk1"/>
+          </a:solidFill>
+          <a:ln cap="flat" cmpd="sng" w="9525">
+            <a:solidFill>
+              <a:schemeClr val="lt1"/>
+            </a:solidFill>
+            <a:prstDash val="solid"/>
+            <a:round/>
+            <a:headEnd len="sm" w="sm" type="none"/>
+            <a:tailEnd len="sm" w="sm" type="none"/>
+          </a:ln>
+        </p:spPr>
+        <p:txBody>
+          <a:bodyPr anchorCtr="0" anchor="ctr" bIns="121875" lIns="121875" spcFirstLastPara="1" rIns="121875" wrap="square" tIns="121875">
+            <a:noAutofit/>
+          </a:bodyPr>
+          <a:lstStyle/>
+          <a:p>
+            <a:pPr indent="0" lvl="0" marL="0" rtl="0" algn="l">
+              <a:spcBef>
+                <a:spcPts val="0"/>
+              </a:spcBef>
+              <a:spcAft>
+                <a:spcPts val="0"/>
+              </a:spcAft>
+              <a:buNone/>
+            </a:pPr>
+            <a:r>
+              <a:t/>
+            </a:r>
+            <a:endParaRPr/>
+          </a:p>
+        </p:txBody>
+      </p:sp>
+      <p:sp>
+        <p:nvSpPr>
+          <p:cNvPr id="230" name="Google Shape;230;p37"/>
+          <p:cNvSpPr txBox="1"/>
+          <p:nvPr>
+            <p:ph idx="4294967295" type="body"/>
+          </p:nvPr>
+        </p:nvSpPr>
+        <p:spPr>
+          <a:xfrm>
+            <a:off x="3767755" y="2336550"/>
+            <a:ext cx="1315500" cy="470400"/>
+          </a:xfrm>
+          <a:prstGeom prst="rect">
+            <a:avLst/>
+          </a:prstGeom>
+        </p:spPr>
+        <p:txBody>
+          <a:bodyPr anchorCtr="0" anchor="ctr" bIns="91425" lIns="91425" spcFirstLastPara="1" rIns="91425" wrap="square" tIns="91425">
+            <a:normAutofit/>
+          </a:bodyPr>
+          <a:lstStyle/>
+          <a:p>
+            <a:pPr indent="0" lvl="0" marL="0" rtl="0" algn="ctr">
+              <a:lnSpc>
+                <a:spcPct val="100000"/>
+              </a:lnSpc>
+              <a:spcBef>
+                <a:spcPts val="0"/>
+              </a:spcBef>
+              <a:spcAft>
+                <a:spcPts val="0"/>
+              </a:spcAft>
+              <a:buNone/>
+            </a:pPr>
+            <a:r>
+              <a:rPr lang="ja">
+                <a:solidFill>
+                  <a:schemeClr val="lt1"/>
+                </a:solidFill>
+              </a:rPr>
+              <a:t>拡大</a:t>
+            </a:r>
+            <a:endParaRPr>
+              <a:solidFill>
+                <a:schemeClr val="lt1"/>
+              </a:solidFill>
+            </a:endParaRPr>
+          </a:p>
+        </p:txBody>
+      </p:sp>
+      <p:grpSp>
+        <p:nvGrpSpPr>
+          <p:cNvPr id="231" name="Google Shape;231;p37"/>
+          <p:cNvGrpSpPr/>
+          <p:nvPr/>
+        </p:nvGrpSpPr>
+        <p:grpSpPr>
+          <a:xfrm>
+            <a:off x="4058732" y="1610215"/>
+            <a:ext cx="198900" cy="593656"/>
+            <a:chOff x="3918084" y="1610215"/>
+            <a:chExt cx="198900" cy="593656"/>
+          </a:xfrm>
+        </p:grpSpPr>
+        <p:cxnSp>
+          <p:nvCxnSpPr>
+            <p:cNvPr id="232" name="Google Shape;232;p37"/>
+            <p:cNvCxnSpPr/>
+            <p:nvPr/>
+          </p:nvCxnSpPr>
+          <p:spPr>
+            <a:xfrm>
+              <a:off x="4017546" y="1649171"/>
+              <a:ext cx="0" cy="554700"/>
+            </a:xfrm>
+            <a:prstGeom prst="straightConnector1">
+              <a:avLst/>
+            </a:prstGeom>
+            <a:noFill/>
+            <a:ln cap="flat" cmpd="sng" w="9525">
+              <a:solidFill>
+                <a:schemeClr val="dk2"/>
+              </a:solidFill>
+              <a:prstDash val="solid"/>
+              <a:round/>
+              <a:headEnd len="sm" w="sm" type="none"/>
+              <a:tailEnd len="sm" w="sm" type="none"/>
+            </a:ln>
+          </p:spPr>
+        </p:cxnSp>
+        <p:sp>
+          <p:nvSpPr>
+            <p:cNvPr id="233" name="Google Shape;233;p37"/>
+            <p:cNvSpPr/>
+            <p:nvPr/>
+          </p:nvSpPr>
+          <p:spPr>
+            <a:xfrm>
+              <a:off x="3918084" y="1610215"/>
+              <a:ext cx="198900" cy="198900"/>
+            </a:xfrm>
+            <a:prstGeom prst="ellipse">
+              <a:avLst/>
+            </a:prstGeom>
+            <a:solidFill>
+              <a:schemeClr val="accent6"/>
+            </a:solidFill>
+            <a:ln>
+              <a:noFill/>
+            </a:ln>
+          </p:spPr>
+          <p:txBody>
+            <a:bodyPr anchorCtr="0" anchor="ctr" bIns="91425" lIns="91425" spcFirstLastPara="1" rIns="91425" wrap="square" tIns="91425">
+              <a:noAutofit/>
+            </a:bodyPr>
+            <a:lstStyle/>
+            <a:p>
+              <a:pPr indent="0" lvl="0" marL="0" rtl="0" algn="l">
+                <a:spcBef>
+                  <a:spcPts val="0"/>
+                </a:spcBef>
+                <a:spcAft>
+                  <a:spcPts val="0"/>
+                </a:spcAft>
+                <a:buNone/>
+              </a:pPr>
+              <a:r>
+                <a:t/>
+              </a:r>
+              <a:endParaRPr/>
+            </a:p>
+          </p:txBody>
+        </p:sp>
+      </p:grpSp>
+      <p:sp>
+        <p:nvSpPr>
+          <p:cNvPr id="234" name="Google Shape;234;p37"/>
+          <p:cNvSpPr txBox="1"/>
+          <p:nvPr>
+            <p:ph idx="4294967295" type="body"/>
+          </p:nvPr>
+        </p:nvSpPr>
+        <p:spPr>
+          <a:xfrm>
+            <a:off x="3304100" y="494300"/>
+            <a:ext cx="2242800" cy="1044600"/>
+          </a:xfrm>
+          <a:prstGeom prst="rect">
+            <a:avLst/>
+          </a:prstGeom>
+        </p:spPr>
+        <p:txBody>
+          <a:bodyPr anchorCtr="0" anchor="t" bIns="91425" lIns="91425" spcFirstLastPara="1" rIns="91425" wrap="square" tIns="91425">
+            <a:normAutofit fontScale="85000" lnSpcReduction="10000"/>
+          </a:bodyPr>
+          <a:lstStyle/>
+          <a:p>
+            <a:pPr indent="0" lvl="0" marL="0" rtl="0" algn="l">
+              <a:spcBef>
+                <a:spcPts val="0"/>
+              </a:spcBef>
+              <a:spcAft>
+                <a:spcPts val="1200"/>
+              </a:spcAft>
+              <a:buNone/>
+            </a:pPr>
+            <a:r>
+              <a:rPr lang="ja" sz="1600"/>
+              <a:t>40~45</a:t>
+            </a:r>
+            <a:br>
+              <a:rPr lang="ja" sz="1600"/>
+            </a:br>
+            <a:r>
+              <a:rPr lang="ja" sz="1600"/>
+              <a:t>・会社を拡大，iphone的な存在として生活に切り離せないものにする</a:t>
+            </a:r>
+            <a:endParaRPr sz="1600"/>
+          </a:p>
+        </p:txBody>
+      </p:sp>
+      <p:sp>
+        <p:nvSpPr>
+          <p:cNvPr id="235" name="Google Shape;235;p37"/>
+          <p:cNvSpPr/>
+          <p:nvPr/>
+        </p:nvSpPr>
+        <p:spPr>
+          <a:xfrm>
+            <a:off x="5126893" y="2199000"/>
+            <a:ext cx="2051100" cy="745500"/>
+          </a:xfrm>
+          <a:prstGeom prst="chevron">
+            <a:avLst>
+              <a:gd fmla="val 50000" name="adj"/>
+            </a:avLst>
+          </a:prstGeom>
+          <a:solidFill>
+            <a:schemeClr val="dk1"/>
+          </a:solidFill>
+          <a:ln cap="flat" cmpd="sng" w="9525">
+            <a:solidFill>
+              <a:schemeClr val="lt1"/>
+            </a:solidFill>
+            <a:prstDash val="solid"/>
+            <a:round/>
+            <a:headEnd len="sm" w="sm" type="none"/>
+            <a:tailEnd len="sm" w="sm" type="none"/>
+          </a:ln>
+        </p:spPr>
+        <p:txBody>
+          <a:bodyPr anchorCtr="0" anchor="ctr" bIns="121875" lIns="121875" spcFirstLastPara="1" rIns="121875" wrap="square" tIns="121875">
+            <a:noAutofit/>
+          </a:bodyPr>
+          <a:lstStyle/>
+          <a:p>
+            <a:pPr indent="0" lvl="0" marL="0" rtl="0" algn="l">
+              <a:spcBef>
+                <a:spcPts val="0"/>
+              </a:spcBef>
+              <a:spcAft>
+                <a:spcPts val="0"/>
+              </a:spcAft>
+              <a:buNone/>
+            </a:pPr>
+            <a:r>
+              <a:t/>
+            </a:r>
+            <a:endParaRPr/>
+          </a:p>
+        </p:txBody>
+      </p:sp>
+      <p:sp>
+        <p:nvSpPr>
+          <p:cNvPr id="236" name="Google Shape;236;p37"/>
+          <p:cNvSpPr txBox="1"/>
+          <p:nvPr>
+            <p:ph idx="4294967295" type="body"/>
+          </p:nvPr>
+        </p:nvSpPr>
+        <p:spPr>
+          <a:xfrm>
+            <a:off x="5416699" y="2336550"/>
+            <a:ext cx="1315500" cy="470400"/>
+          </a:xfrm>
+          <a:prstGeom prst="rect">
+            <a:avLst/>
+          </a:prstGeom>
+        </p:spPr>
+        <p:txBody>
+          <a:bodyPr anchorCtr="0" anchor="ctr" bIns="91425" lIns="91425" spcFirstLastPara="1" rIns="91425" wrap="square" tIns="91425">
+            <a:normAutofit/>
+          </a:bodyPr>
+          <a:lstStyle/>
+          <a:p>
+            <a:pPr indent="0" lvl="0" marL="0" rtl="0" algn="ctr">
+              <a:lnSpc>
+                <a:spcPct val="100000"/>
+              </a:lnSpc>
+              <a:spcBef>
+                <a:spcPts val="0"/>
+              </a:spcBef>
+              <a:spcAft>
+                <a:spcPts val="0"/>
+              </a:spcAft>
+              <a:buNone/>
+            </a:pPr>
+            <a:r>
+              <a:rPr lang="ja">
+                <a:solidFill>
+                  <a:schemeClr val="lt1"/>
+                </a:solidFill>
+              </a:rPr>
+              <a:t>展開</a:t>
+            </a:r>
+            <a:endParaRPr>
+              <a:solidFill>
+                <a:schemeClr val="lt1"/>
+              </a:solidFill>
+            </a:endParaRPr>
+          </a:p>
+        </p:txBody>
+      </p:sp>
+      <p:grpSp>
+        <p:nvGrpSpPr>
+          <p:cNvPr id="237" name="Google Shape;237;p37"/>
+          <p:cNvGrpSpPr/>
+          <p:nvPr/>
+        </p:nvGrpSpPr>
+        <p:grpSpPr>
+          <a:xfrm>
+            <a:off x="5973070" y="2938958"/>
+            <a:ext cx="198900" cy="593656"/>
+            <a:chOff x="5958946" y="2938958"/>
+            <a:chExt cx="198900" cy="593656"/>
+          </a:xfrm>
+        </p:grpSpPr>
+        <p:cxnSp>
+          <p:nvCxnSpPr>
+            <p:cNvPr id="238" name="Google Shape;238;p37"/>
+            <p:cNvCxnSpPr/>
+            <p:nvPr/>
+          </p:nvCxnSpPr>
+          <p:spPr>
+            <a:xfrm rot="10800000">
+              <a:off x="6058409" y="2938958"/>
+              <a:ext cx="0" cy="554700"/>
+            </a:xfrm>
+            <a:prstGeom prst="straightConnector1">
+              <a:avLst/>
+            </a:prstGeom>
+            <a:noFill/>
+            <a:ln cap="flat" cmpd="sng" w="9525">
+              <a:solidFill>
+                <a:schemeClr val="dk2"/>
+              </a:solidFill>
+              <a:prstDash val="solid"/>
+              <a:round/>
+              <a:headEnd len="sm" w="sm" type="none"/>
+              <a:tailEnd len="sm" w="sm" type="none"/>
+            </a:ln>
+          </p:spPr>
+        </p:cxnSp>
+        <p:sp>
+          <p:nvSpPr>
+            <p:cNvPr id="239" name="Google Shape;239;p37"/>
+            <p:cNvSpPr/>
+            <p:nvPr/>
+          </p:nvSpPr>
+          <p:spPr>
+            <a:xfrm flipH="1" rot="10800000">
+              <a:off x="5958946" y="3333714"/>
+              <a:ext cx="198900" cy="198900"/>
+            </a:xfrm>
+            <a:prstGeom prst="ellipse">
+              <a:avLst/>
+            </a:prstGeom>
+            <a:solidFill>
+              <a:schemeClr val="accent6"/>
+            </a:solidFill>
+            <a:ln>
+              <a:noFill/>
+            </a:ln>
+          </p:spPr>
+          <p:txBody>
+            <a:bodyPr anchorCtr="0" anchor="ctr" bIns="91425" lIns="91425" spcFirstLastPara="1" rIns="91425" wrap="square" tIns="91425">
+              <a:noAutofit/>
+            </a:bodyPr>
+            <a:lstStyle/>
+            <a:p>
+              <a:pPr indent="0" lvl="0" marL="0" rtl="0" algn="l">
+                <a:spcBef>
+                  <a:spcPts val="0"/>
+                </a:spcBef>
+                <a:spcAft>
+                  <a:spcPts val="0"/>
+                </a:spcAft>
+                <a:buNone/>
+              </a:pPr>
+              <a:r>
+                <a:t/>
+              </a:r>
+              <a:endParaRPr/>
+            </a:p>
+          </p:txBody>
+        </p:sp>
+      </p:grpSp>
+      <p:sp>
+        <p:nvSpPr>
+          <p:cNvPr id="240" name="Google Shape;240;p37"/>
+          <p:cNvSpPr txBox="1"/>
+          <p:nvPr>
+            <p:ph idx="4294967295" type="body"/>
+          </p:nvPr>
+        </p:nvSpPr>
+        <p:spPr>
+          <a:xfrm>
+            <a:off x="5126902" y="3757725"/>
+            <a:ext cx="2242800" cy="906300"/>
+          </a:xfrm>
+          <a:prstGeom prst="rect">
+            <a:avLst/>
+          </a:prstGeom>
+        </p:spPr>
+        <p:txBody>
+          <a:bodyPr anchorCtr="0" anchor="t" bIns="91425" lIns="91425" spcFirstLastPara="1" rIns="91425" wrap="square" tIns="91425">
+            <a:normAutofit fontScale="77500"/>
+          </a:bodyPr>
+          <a:lstStyle/>
+          <a:p>
+            <a:pPr indent="0" lvl="0" marL="0" rtl="0" algn="l">
+              <a:spcBef>
+                <a:spcPts val="0"/>
+              </a:spcBef>
+              <a:spcAft>
+                <a:spcPts val="1200"/>
+              </a:spcAft>
+              <a:buNone/>
+            </a:pPr>
+            <a:r>
+              <a:rPr lang="ja" sz="1600"/>
+              <a:t>45~50</a:t>
+            </a:r>
+            <a:br>
+              <a:rPr lang="ja" sz="1600"/>
+            </a:br>
+            <a:r>
+              <a:rPr lang="ja" sz="1600"/>
+              <a:t>・身体拡張を用いて最高の教育を行う学校を設立する</a:t>
+            </a:r>
+            <a:endParaRPr sz="1600"/>
+          </a:p>
+        </p:txBody>
+      </p:sp>
+      <p:sp>
+        <p:nvSpPr>
+          <p:cNvPr id="241" name="Google Shape;241;p37"/>
+          <p:cNvSpPr/>
+          <p:nvPr/>
+        </p:nvSpPr>
+        <p:spPr>
+          <a:xfrm>
+            <a:off x="6781813" y="2199000"/>
+            <a:ext cx="2051100" cy="745500"/>
+          </a:xfrm>
+          <a:prstGeom prst="chevron">
+            <a:avLst>
+              <a:gd fmla="val 50000" name="adj"/>
+            </a:avLst>
+          </a:prstGeom>
+          <a:solidFill>
+            <a:schemeClr val="dk1"/>
+          </a:solidFill>
+          <a:ln cap="flat" cmpd="sng" w="9525">
+            <a:solidFill>
+              <a:schemeClr val="lt1"/>
+            </a:solidFill>
+            <a:prstDash val="solid"/>
+            <a:round/>
+            <a:headEnd len="sm" w="sm" type="none"/>
+            <a:tailEnd len="sm" w="sm" type="none"/>
+          </a:ln>
+        </p:spPr>
+        <p:txBody>
+          <a:bodyPr anchorCtr="0" anchor="ctr" bIns="121875" lIns="121875" spcFirstLastPara="1" rIns="121875" wrap="square" tIns="121875">
+            <a:noAutofit/>
+          </a:bodyPr>
+          <a:lstStyle/>
+          <a:p>
+            <a:pPr indent="0" lvl="0" marL="0" rtl="0" algn="l">
+              <a:spcBef>
+                <a:spcPts val="0"/>
+              </a:spcBef>
+              <a:spcAft>
+                <a:spcPts val="0"/>
+              </a:spcAft>
+              <a:buNone/>
+            </a:pPr>
+            <a:r>
+              <a:t/>
+            </a:r>
+            <a:endParaRPr/>
+          </a:p>
+        </p:txBody>
+      </p:sp>
+      <p:sp>
+        <p:nvSpPr>
+          <p:cNvPr id="242" name="Google Shape;242;p37"/>
+          <p:cNvSpPr txBox="1"/>
+          <p:nvPr>
+            <p:ph idx="4294967295" type="body"/>
+          </p:nvPr>
+        </p:nvSpPr>
+        <p:spPr>
+          <a:xfrm>
+            <a:off x="7111512" y="2336550"/>
+            <a:ext cx="1315500" cy="470400"/>
+          </a:xfrm>
+          <a:prstGeom prst="rect">
+            <a:avLst/>
+          </a:prstGeom>
+        </p:spPr>
+        <p:txBody>
+          <a:bodyPr anchorCtr="0" anchor="ctr" bIns="91425" lIns="91425" spcFirstLastPara="1" rIns="91425" wrap="square" tIns="91425">
+            <a:normAutofit/>
+          </a:bodyPr>
+          <a:lstStyle/>
+          <a:p>
+            <a:pPr indent="0" lvl="0" marL="0" rtl="0" algn="ctr">
+              <a:lnSpc>
+                <a:spcPct val="100000"/>
+              </a:lnSpc>
+              <a:spcBef>
+                <a:spcPts val="0"/>
+              </a:spcBef>
+              <a:spcAft>
+                <a:spcPts val="0"/>
+              </a:spcAft>
+              <a:buNone/>
+            </a:pPr>
+            <a:r>
+              <a:rPr lang="ja">
+                <a:solidFill>
+                  <a:schemeClr val="lt1"/>
+                </a:solidFill>
+              </a:rPr>
+              <a:t>拡張</a:t>
+            </a:r>
+            <a:endParaRPr>
+              <a:solidFill>
+                <a:schemeClr val="lt1"/>
+              </a:solidFill>
+            </a:endParaRPr>
+          </a:p>
+        </p:txBody>
+      </p:sp>
+      <p:grpSp>
+        <p:nvGrpSpPr>
+          <p:cNvPr id="243" name="Google Shape;243;p37"/>
+          <p:cNvGrpSpPr/>
+          <p:nvPr/>
+        </p:nvGrpSpPr>
+        <p:grpSpPr>
+          <a:xfrm>
+            <a:off x="7669807" y="1610215"/>
+            <a:ext cx="198900" cy="593656"/>
+            <a:chOff x="3918084" y="1610215"/>
+            <a:chExt cx="198900" cy="593656"/>
+          </a:xfrm>
+        </p:grpSpPr>
+        <p:cxnSp>
+          <p:nvCxnSpPr>
+            <p:cNvPr id="244" name="Google Shape;244;p37"/>
+            <p:cNvCxnSpPr/>
+            <p:nvPr/>
+          </p:nvCxnSpPr>
+          <p:spPr>
+            <a:xfrm>
+              <a:off x="4017546" y="1649171"/>
+              <a:ext cx="0" cy="554700"/>
+            </a:xfrm>
+            <a:prstGeom prst="straightConnector1">
+              <a:avLst/>
+            </a:prstGeom>
+            <a:noFill/>
+            <a:ln cap="flat" cmpd="sng" w="9525">
+              <a:solidFill>
+                <a:schemeClr val="dk2"/>
+              </a:solidFill>
+              <a:prstDash val="solid"/>
+              <a:round/>
+              <a:headEnd len="sm" w="sm" type="none"/>
+              <a:tailEnd len="sm" w="sm" type="none"/>
+            </a:ln>
+          </p:spPr>
+        </p:cxnSp>
+        <p:sp>
+          <p:nvSpPr>
+            <p:cNvPr id="245" name="Google Shape;245;p37"/>
+            <p:cNvSpPr/>
+            <p:nvPr/>
+          </p:nvSpPr>
+          <p:spPr>
+            <a:xfrm>
+              <a:off x="3918084" y="1610215"/>
+              <a:ext cx="198900" cy="198900"/>
+            </a:xfrm>
+            <a:prstGeom prst="ellipse">
+              <a:avLst/>
+            </a:prstGeom>
+            <a:solidFill>
+              <a:schemeClr val="accent6"/>
+            </a:solidFill>
+            <a:ln>
+              <a:noFill/>
+            </a:ln>
+          </p:spPr>
+          <p:txBody>
+            <a:bodyPr anchorCtr="0" anchor="ctr" bIns="91425" lIns="91425" spcFirstLastPara="1" rIns="91425" wrap="square" tIns="91425">
+              <a:noAutofit/>
+            </a:bodyPr>
+            <a:lstStyle/>
+            <a:p>
+              <a:pPr indent="0" lvl="0" marL="0" rtl="0" algn="l">
+                <a:spcBef>
+                  <a:spcPts val="0"/>
+                </a:spcBef>
+                <a:spcAft>
+                  <a:spcPts val="0"/>
+                </a:spcAft>
+                <a:buNone/>
+              </a:pPr>
+              <a:r>
+                <a:t/>
+              </a:r>
+              <a:endParaRPr/>
+            </a:p>
+          </p:txBody>
+        </p:sp>
+      </p:grpSp>
+      <p:sp>
+        <p:nvSpPr>
+          <p:cNvPr id="246" name="Google Shape;246;p37"/>
+          <p:cNvSpPr txBox="1"/>
+          <p:nvPr>
+            <p:ph idx="4294967295" type="body"/>
+          </p:nvPr>
+        </p:nvSpPr>
+        <p:spPr>
+          <a:xfrm>
+            <a:off x="6685979" y="479475"/>
+            <a:ext cx="2242800" cy="906300"/>
+          </a:xfrm>
+          <a:prstGeom prst="rect">
+            <a:avLst/>
+          </a:prstGeom>
+        </p:spPr>
+        <p:txBody>
+          <a:bodyPr anchorCtr="0" anchor="t" bIns="91425" lIns="91425" spcFirstLastPara="1" rIns="91425" wrap="square" tIns="91425">
+            <a:normAutofit lnSpcReduction="20000"/>
+          </a:bodyPr>
+          <a:lstStyle/>
+          <a:p>
+            <a:pPr indent="0" lvl="0" marL="0" rtl="0" algn="l">
+              <a:spcBef>
+                <a:spcPts val="0"/>
+              </a:spcBef>
+              <a:spcAft>
+                <a:spcPts val="1200"/>
+              </a:spcAft>
+              <a:buNone/>
+            </a:pPr>
+            <a:r>
+              <a:rPr lang="ja" sz="1600"/>
+              <a:t>50~55</a:t>
+            </a:r>
+            <a:br>
+              <a:rPr lang="ja" sz="1600"/>
+            </a:br>
+            <a:r>
+              <a:rPr lang="ja" sz="1600"/>
+              <a:t>・人類の進化を確かめる</a:t>
+            </a:r>
+            <a:endParaRPr sz="1600"/>
+          </a:p>
+        </p:txBody>
+      </p:sp>
+    </p:spTree>
+  </p:cSld>
+  <p:clrMapOvr>
+    <a:masterClrMapping/>
+  </p:clrMapOvr>
+</p:sld>
+</file>
+
+<file path=ppt/slides/slide14.xml><?xml version="1.0" encoding="utf-8"?>
+<p:sld xmlns:a="http://schemas.openxmlformats.org/drawingml/2006/main" xmlns:r="http://schemas.openxmlformats.org/officeDocument/2006/relationships" xmlns:mc="http://schemas.openxmlformats.org/markup-compatibility/2006" xmlns:mv="urn:schemas-microsoft-com:mac:vml" xmlns:p="http://schemas.openxmlformats.org/presentationml/2006/main" xmlns:c="http://schemas.openxmlformats.org/drawingml/2006/chart" xmlns:dgm="http://schemas.openxmlformats.org/drawingml/2006/diagram" xmlns:o="urn:schemas-microsoft-com:office:office" xmlns:v="urn:schemas-microsoft-com:vml" xmlns:pvml="urn:schemas-microsoft-com:office:powerpoint" xmlns:com="http://schemas.openxmlformats.org/drawingml/2006/compatibility" xmlns:p14="http://schemas.microsoft.com/office/powerpoint/2010/main" xmlns:p15="http://schemas.microsoft.com/office/powerpoint/2012/main" xmlns:ahyp="http://schemas.microsoft.com/office/drawing/2018/hyperlinkcolor">
+  <p:cSld>
+    <p:spTree>
+      <p:nvGrpSpPr>
+        <p:cNvPr id="250" name="Shape 250"/>
+        <p:cNvGrpSpPr/>
+        <p:nvPr/>
+      </p:nvGrpSpPr>
+      <p:grpSpPr>
+        <a:xfrm>
+          <a:off x="0" y="0"/>
+          <a:ext cx="0" cy="0"/>
+          <a:chOff x="0" y="0"/>
+          <a:chExt cx="0" cy="0"/>
+        </a:xfrm>
+      </p:grpSpPr>
+      <p:sp>
+        <p:nvSpPr>
+          <p:cNvPr id="251" name="Google Shape;251;p38"/>
+          <p:cNvSpPr/>
+          <p:nvPr/>
+        </p:nvSpPr>
+        <p:spPr>
+          <a:xfrm>
+            <a:off x="-22250" y="-2425"/>
+            <a:ext cx="9166200" cy="5143500"/>
+          </a:xfrm>
+          <a:prstGeom prst="rect">
+            <a:avLst/>
+          </a:prstGeom>
+          <a:solidFill>
+            <a:schemeClr val="lt2"/>
+          </a:solidFill>
+          <a:ln>
+            <a:noFill/>
+          </a:ln>
+        </p:spPr>
+        <p:txBody>
+          <a:bodyPr anchorCtr="0" anchor="ctr" bIns="91425" lIns="91425" spcFirstLastPara="1" rIns="91425" wrap="square" tIns="91425">
+            <a:noAutofit/>
+          </a:bodyPr>
+          <a:lstStyle/>
+          <a:p>
+            <a:pPr indent="0" lvl="0" marL="0" rtl="0" algn="l">
+              <a:spcBef>
+                <a:spcPts val="0"/>
+              </a:spcBef>
+              <a:spcAft>
+                <a:spcPts val="0"/>
+              </a:spcAft>
+              <a:buNone/>
+            </a:pPr>
+            <a:r>
+              <a:t/>
+            </a:r>
+            <a:endParaRPr/>
+          </a:p>
+        </p:txBody>
+      </p:sp>
+      <p:sp>
+        <p:nvSpPr>
+          <p:cNvPr id="252" name="Google Shape;252;p38"/>
+          <p:cNvSpPr txBox="1"/>
+          <p:nvPr>
+            <p:ph type="ctrTitle"/>
+          </p:nvPr>
+        </p:nvSpPr>
+        <p:spPr>
+          <a:xfrm>
+            <a:off x="311708" y="1066025"/>
+            <a:ext cx="8520600" cy="2052600"/>
+          </a:xfrm>
+          <a:prstGeom prst="rect">
+            <a:avLst/>
+          </a:prstGeom>
+        </p:spPr>
+        <p:txBody>
+          <a:bodyPr anchorCtr="0" anchor="b" bIns="91425" lIns="91425" spcFirstLastPara="1" rIns="91425" wrap="square" tIns="91425">
+            <a:normAutofit/>
+          </a:bodyPr>
+          <a:lstStyle/>
+          <a:p>
+            <a:pPr indent="0" lvl="0" marL="0" rtl="0" algn="ctr">
+              <a:spcBef>
+                <a:spcPts val="0"/>
+              </a:spcBef>
+              <a:spcAft>
+                <a:spcPts val="0"/>
+              </a:spcAft>
+              <a:buNone/>
+            </a:pPr>
+            <a:r>
+              <a:t/>
+            </a:r>
+            <a:endParaRPr/>
+          </a:p>
+          <a:p>
+            <a:pPr indent="0" lvl="0" marL="0" rtl="0" algn="ctr">
+              <a:spcBef>
+                <a:spcPts val="0"/>
+              </a:spcBef>
+              <a:spcAft>
+                <a:spcPts val="0"/>
+              </a:spcAft>
+              <a:buNone/>
+            </a:pPr>
+            <a:r>
+              <a:rPr b="1" lang="ja">
+                <a:solidFill>
+                  <a:srgbClr val="000000"/>
+                </a:solidFill>
+              </a:rPr>
+              <a:t>IMPORTANT</a:t>
+            </a:r>
+            <a:endParaRPr b="1">
+              <a:solidFill>
+                <a:srgbClr val="000000"/>
+              </a:solidFill>
+            </a:endParaRPr>
+          </a:p>
+        </p:txBody>
+      </p:sp>
+    </p:spTree>
+  </p:cSld>
+  <p:clrMapOvr>
+    <a:masterClrMapping/>
+  </p:clrMapOvr>
+</p:sld>
+</file>
+
+<file path=ppt/slides/slide15.xml><?xml version="1.0" encoding="utf-8"?>
+<p:sld xmlns:a="http://schemas.openxmlformats.org/drawingml/2006/main" xmlns:r="http://schemas.openxmlformats.org/officeDocument/2006/relationships" xmlns:mc="http://schemas.openxmlformats.org/markup-compatibility/2006" xmlns:mv="urn:schemas-microsoft-com:mac:vml" xmlns:p="http://schemas.openxmlformats.org/presentationml/2006/main" xmlns:c="http://schemas.openxmlformats.org/drawingml/2006/chart" xmlns:dgm="http://schemas.openxmlformats.org/drawingml/2006/diagram" xmlns:o="urn:schemas-microsoft-com:office:office" xmlns:v="urn:schemas-microsoft-com:vml" xmlns:pvml="urn:schemas-microsoft-com:office:powerpoint" xmlns:com="http://schemas.openxmlformats.org/drawingml/2006/compatibility" xmlns:p14="http://schemas.microsoft.com/office/powerpoint/2010/main" xmlns:p15="http://schemas.microsoft.com/office/powerpoint/2012/main" xmlns:ahyp="http://schemas.microsoft.com/office/drawing/2018/hyperlinkcolor">
+  <p:cSld>
+    <p:spTree>
+      <p:nvGrpSpPr>
+        <p:cNvPr id="256" name="Shape 256"/>
+        <p:cNvGrpSpPr/>
+        <p:nvPr/>
+      </p:nvGrpSpPr>
+      <p:grpSpPr>
+        <a:xfrm>
+          <a:off x="0" y="0"/>
+          <a:ext cx="0" cy="0"/>
+          <a:chOff x="0" y="0"/>
+          <a:chExt cx="0" cy="0"/>
+        </a:xfrm>
+      </p:grpSpPr>
+      <p:sp>
+        <p:nvSpPr>
+          <p:cNvPr id="257" name="Google Shape;257;p39"/>
+          <p:cNvSpPr/>
+          <p:nvPr/>
+        </p:nvSpPr>
+        <p:spPr>
+          <a:xfrm>
+            <a:off x="-22250" y="-2425"/>
+            <a:ext cx="9166200" cy="5143500"/>
+          </a:xfrm>
+          <a:prstGeom prst="rect">
+            <a:avLst/>
+          </a:prstGeom>
+          <a:solidFill>
+            <a:schemeClr val="lt2"/>
+          </a:solidFill>
+          <a:ln>
+            <a:noFill/>
+          </a:ln>
+        </p:spPr>
+        <p:txBody>
+          <a:bodyPr anchorCtr="0" anchor="ctr" bIns="91425" lIns="91425" spcFirstLastPara="1" rIns="91425" wrap="square" tIns="91425">
+            <a:noAutofit/>
+          </a:bodyPr>
+          <a:lstStyle/>
+          <a:p>
+            <a:pPr indent="0" lvl="0" marL="0" rtl="0" algn="l">
+              <a:spcBef>
+                <a:spcPts val="0"/>
+              </a:spcBef>
+              <a:spcAft>
+                <a:spcPts val="0"/>
+              </a:spcAft>
+              <a:buNone/>
+            </a:pPr>
+            <a:r>
+              <a:t/>
+            </a:r>
+            <a:endParaRPr/>
+          </a:p>
+        </p:txBody>
+      </p:sp>
+      <p:sp>
+        <p:nvSpPr>
+          <p:cNvPr id="258" name="Google Shape;258;p39"/>
+          <p:cNvSpPr txBox="1"/>
+          <p:nvPr>
+            <p:ph type="ctrTitle"/>
+          </p:nvPr>
+        </p:nvSpPr>
+        <p:spPr>
+          <a:xfrm>
+            <a:off x="300558" y="1452850"/>
+            <a:ext cx="8520600" cy="2052600"/>
+          </a:xfrm>
+          <a:prstGeom prst="rect">
+            <a:avLst/>
+          </a:prstGeom>
+        </p:spPr>
+        <p:txBody>
+          <a:bodyPr anchorCtr="0" anchor="b" bIns="91425" lIns="91425" spcFirstLastPara="1" rIns="91425" wrap="square" tIns="91425">
+            <a:normAutofit fontScale="90000"/>
+          </a:bodyPr>
+          <a:lstStyle/>
+          <a:p>
+            <a:pPr indent="0" lvl="0" marL="0" rtl="0" algn="ctr">
+              <a:spcBef>
+                <a:spcPts val="0"/>
+              </a:spcBef>
+              <a:spcAft>
+                <a:spcPts val="0"/>
+              </a:spcAft>
+              <a:buNone/>
+            </a:pPr>
+            <a:r>
+              <a:t/>
+            </a:r>
+            <a:endParaRPr/>
+          </a:p>
+          <a:p>
+            <a:pPr indent="0" lvl="0" marL="0" rtl="0" algn="ctr">
+              <a:spcBef>
+                <a:spcPts val="0"/>
+              </a:spcBef>
+              <a:spcAft>
+                <a:spcPts val="0"/>
+              </a:spcAft>
+              <a:buNone/>
+            </a:pPr>
+            <a:r>
+              <a:rPr b="1" lang="ja" u="sng">
+                <a:solidFill>
+                  <a:schemeClr val="accent5"/>
+                </a:solidFill>
+              </a:rPr>
+              <a:t>過去の自分が今の自分を見て，</a:t>
+            </a:r>
+            <a:endParaRPr b="1" u="sng">
+              <a:solidFill>
+                <a:schemeClr val="accent5"/>
+              </a:solidFill>
+            </a:endParaRPr>
+          </a:p>
+          <a:p>
+            <a:pPr indent="0" lvl="0" marL="0" rtl="0" algn="ctr">
+              <a:spcBef>
+                <a:spcPts val="0"/>
+              </a:spcBef>
+              <a:spcAft>
+                <a:spcPts val="0"/>
+              </a:spcAft>
+              <a:buNone/>
+            </a:pPr>
+            <a:r>
+              <a:rPr b="1" lang="ja" u="sng">
+                <a:solidFill>
+                  <a:schemeClr val="accent5"/>
+                </a:solidFill>
+              </a:rPr>
+              <a:t>こいつぶっ飛んでて面白えな</a:t>
+            </a:r>
+            <a:endParaRPr b="1" u="sng">
+              <a:solidFill>
+                <a:schemeClr val="accent5"/>
+              </a:solidFill>
+            </a:endParaRPr>
+          </a:p>
+          <a:p>
+            <a:pPr indent="0" lvl="0" marL="0" rtl="0" algn="ctr">
+              <a:spcBef>
+                <a:spcPts val="0"/>
+              </a:spcBef>
+              <a:spcAft>
+                <a:spcPts val="0"/>
+              </a:spcAft>
+              <a:buNone/>
+            </a:pPr>
+            <a:r>
+              <a:rPr b="1" lang="ja" u="sng">
+                <a:solidFill>
+                  <a:schemeClr val="accent5"/>
+                </a:solidFill>
+              </a:rPr>
+              <a:t>と思えること</a:t>
+            </a:r>
+            <a:endParaRPr b="1" u="sng">
+              <a:solidFill>
+                <a:schemeClr val="accent5"/>
+              </a:solidFill>
+            </a:endParaRPr>
+          </a:p>
+        </p:txBody>
+      </p:sp>
+      <p:sp>
+        <p:nvSpPr>
+          <p:cNvPr id="259" name="Google Shape;259;p39"/>
+          <p:cNvSpPr txBox="1"/>
+          <p:nvPr>
+            <p:ph idx="4294967295" type="title"/>
+          </p:nvPr>
+        </p:nvSpPr>
+        <p:spPr>
+          <a:xfrm>
+            <a:off x="311700" y="445025"/>
+            <a:ext cx="8520600" cy="572700"/>
+          </a:xfrm>
+          <a:prstGeom prst="rect">
+            <a:avLst/>
+          </a:prstGeom>
+        </p:spPr>
+        <p:txBody>
+          <a:bodyPr anchorCtr="0" anchor="t" bIns="91425" lIns="91425" spcFirstLastPara="1" rIns="91425" wrap="square" tIns="91425">
+            <a:noAutofit/>
+          </a:bodyPr>
+          <a:lstStyle/>
+          <a:p>
+            <a:pPr indent="0" lvl="0" marL="0" rtl="0" algn="l">
+              <a:spcBef>
+                <a:spcPts val="0"/>
+              </a:spcBef>
+              <a:spcAft>
+                <a:spcPts val="0"/>
+              </a:spcAft>
+              <a:buClr>
+                <a:schemeClr val="dk1"/>
+              </a:buClr>
+              <a:buSzPts val="990"/>
+              <a:buFont typeface="Arial"/>
+              <a:buNone/>
+            </a:pPr>
+            <a:r>
+              <a:rPr b="1" lang="ja" sz="2500">
+                <a:solidFill>
+                  <a:schemeClr val="accent5"/>
+                </a:solidFill>
+              </a:rPr>
+              <a:t>一言で言えば</a:t>
+            </a:r>
+            <a:endParaRPr sz="2500"/>
+          </a:p>
+        </p:txBody>
+      </p:sp>
+    </p:spTree>
+  </p:cSld>
+  <p:clrMapOvr>
+    <a:masterClrMapping/>
+  </p:clrMapOvr>
+</p:sld>
+</file>
+
+<file path=ppt/slides/slide16.xml><?xml version="1.0" encoding="utf-8"?>
+<p:sld xmlns:a="http://schemas.openxmlformats.org/drawingml/2006/main" xmlns:r="http://schemas.openxmlformats.org/officeDocument/2006/relationships" xmlns:mc="http://schemas.openxmlformats.org/markup-compatibility/2006" xmlns:mv="urn:schemas-microsoft-com:mac:vml" xmlns:p="http://schemas.openxmlformats.org/presentationml/2006/main" xmlns:c="http://schemas.openxmlformats.org/drawingml/2006/chart" xmlns:dgm="http://schemas.openxmlformats.org/drawingml/2006/diagram" xmlns:o="urn:schemas-microsoft-com:office:office" xmlns:v="urn:schemas-microsoft-com:vml" xmlns:pvml="urn:schemas-microsoft-com:office:powerpoint" xmlns:com="http://schemas.openxmlformats.org/drawingml/2006/compatibility" xmlns:p14="http://schemas.microsoft.com/office/powerpoint/2010/main" xmlns:p15="http://schemas.microsoft.com/office/powerpoint/2012/main" xmlns:ahyp="http://schemas.microsoft.com/office/drawing/2018/hyperlinkcolor">
+  <p:cSld>
+    <p:bg>
+      <p:bgPr>
+        <a:solidFill>
+          <a:schemeClr val="lt2"/>
+        </a:solidFill>
+      </p:bgPr>
+    </p:bg>
+    <p:spTree>
+      <p:nvGrpSpPr>
+        <p:cNvPr id="263" name="Shape 263"/>
+        <p:cNvGrpSpPr/>
+        <p:nvPr/>
+      </p:nvGrpSpPr>
+      <p:grpSpPr>
+        <a:xfrm>
+          <a:off x="0" y="0"/>
+          <a:ext cx="0" cy="0"/>
+          <a:chOff x="0" y="0"/>
+          <a:chExt cx="0" cy="0"/>
+        </a:xfrm>
+      </p:grpSpPr>
     </p:spTree>
   </p:cSld>
   <p:clrMapOvr>
@@ -15793,7 +18049,23 @@
                   <a:schemeClr val="accent5"/>
                 </a:solidFill>
               </a:rPr>
-              <a:t>身体からの解放</a:t>
+              <a:t>心</a:t>
+            </a:r>
+            <a:r>
+              <a:rPr b="1" lang="ja" u="sng">
+                <a:solidFill>
+                  <a:schemeClr val="accent5"/>
+                </a:solidFill>
+              </a:rPr>
+              <a:t>身体</a:t>
+            </a:r>
+            <a:r>
+              <a:rPr b="1" lang="ja" u="sng">
+                <a:solidFill>
+                  <a:schemeClr val="accent5"/>
+                </a:solidFill>
+              </a:rPr>
+              <a:t>からの解放</a:t>
             </a:r>
             <a:endParaRPr b="1" u="sng">
               <a:solidFill>
@@ -15973,7 +18245,7 @@
                   <a:schemeClr val="accent5"/>
                 </a:solidFill>
               </a:rPr>
-              <a:t>人類を</a:t>
+              <a:t>人類を心</a:t>
             </a:r>
             <a:r>
               <a:rPr b="1" lang="ja" u="sng">
@@ -16171,7 +18443,7 @@
                   <a:schemeClr val="accent5"/>
                 </a:solidFill>
               </a:rPr>
-              <a:t>身体境界の排除</a:t>
+              <a:t>心身体境界の排除</a:t>
             </a:r>
             <a:endParaRPr sz="2500"/>
           </a:p>
@@ -16216,7 +18488,7 @@
             </a:pPr>
             <a:r>
               <a:rPr lang="ja" sz="1800"/>
-              <a:t>　身体が肥大化し，世界と一体化する</a:t>
+              <a:t>　心身体が肥大化し，世界と一体化する</a:t>
             </a:r>
             <a:endParaRPr sz="1800"/>
           </a:p>
@@ -16426,6 +18698,76 @@
           </a:p>
         </p:txBody>
       </p:sp>
+      <p:sp>
+        <p:nvSpPr>
+          <p:cNvPr id="151" name="Google Shape;151;p29"/>
+          <p:cNvSpPr txBox="1"/>
+          <p:nvPr/>
+        </p:nvSpPr>
+        <p:spPr>
+          <a:xfrm>
+            <a:off x="358375" y="3231625"/>
+            <a:ext cx="7864500" cy="615600"/>
+          </a:xfrm>
+          <a:prstGeom prst="rect">
+            <a:avLst/>
+          </a:prstGeom>
+          <a:noFill/>
+          <a:ln>
+            <a:noFill/>
+          </a:ln>
+        </p:spPr>
+        <p:txBody>
+          <a:bodyPr anchorCtr="0" anchor="t" bIns="91425" lIns="91425" spcFirstLastPara="1" rIns="91425" wrap="square" tIns="91425">
+            <a:spAutoFit/>
+          </a:bodyPr>
+          <a:lstStyle/>
+          <a:p>
+            <a:pPr indent="0" lvl="0" marL="0" rtl="0" algn="l">
+              <a:spcBef>
+                <a:spcPts val="0"/>
+              </a:spcBef>
+              <a:spcAft>
+                <a:spcPts val="0"/>
+              </a:spcAft>
+              <a:buNone/>
+            </a:pPr>
+            <a:r>
+              <a:rPr lang="ja"/>
+              <a:t>心</a:t>
+            </a:r>
+            <a:r>
+              <a:rPr lang="ja"/>
+              <a:t>拡張</a:t>
+            </a:r>
+            <a:r>
+              <a:rPr lang="ja"/>
+              <a:t>で言えば・・</a:t>
+            </a:r>
+            <a:endParaRPr/>
+          </a:p>
+          <a:p>
+            <a:pPr indent="0" lvl="0" marL="0" rtl="0" algn="l">
+              <a:spcBef>
+                <a:spcPts val="0"/>
+              </a:spcBef>
+              <a:spcAft>
+                <a:spcPts val="0"/>
+              </a:spcAft>
+              <a:buNone/>
+            </a:pPr>
+            <a:r>
+              <a:rPr lang="ja"/>
+              <a:t>　</a:t>
+            </a:r>
+            <a:r>
+              <a:rPr lang="ja"/>
+              <a:t>精神が自分の体を飛び越えてインターネットを駆け巡る</a:t>
+            </a:r>
+            <a:endParaRPr/>
+          </a:p>
+        </p:txBody>
+      </p:sp>
     </p:spTree>
   </p:cSld>
   <p:clrMapOvr>
@@ -16446,7 +18788,7 @@
     </p:bg>
     <p:spTree>
       <p:nvGrpSpPr>
-        <p:cNvPr id="154" name="Shape 154"/>
+        <p:cNvPr id="155" name="Shape 155"/>
         <p:cNvGrpSpPr/>
         <p:nvPr/>
       </p:nvGrpSpPr>
@@ -16460,7 +18802,7 @@
       </p:grpSpPr>
       <p:sp>
         <p:nvSpPr>
-          <p:cNvPr id="155" name="Google Shape;155;p30"/>
+          <p:cNvPr id="156" name="Google Shape;156;p30"/>
           <p:cNvSpPr txBox="1"/>
           <p:nvPr>
             <p:ph type="title"/>
@@ -16517,7 +18859,7 @@
       </p:sp>
       <p:sp>
         <p:nvSpPr>
-          <p:cNvPr id="156" name="Google Shape;156;p30"/>
+          <p:cNvPr id="157" name="Google Shape;157;p30"/>
           <p:cNvSpPr txBox="1"/>
           <p:nvPr/>
         </p:nvSpPr>
@@ -16562,7 +18904,7 @@
       </p:sp>
       <p:pic>
         <p:nvPicPr>
-          <p:cNvPr id="157" name="Google Shape;157;p30"/>
+          <p:cNvPr id="158" name="Google Shape;158;p30"/>
           <p:cNvPicPr preferRelativeResize="0"/>
           <p:nvPr/>
         </p:nvPicPr>
@@ -16590,7 +18932,7 @@
       </p:pic>
       <p:pic>
         <p:nvPicPr>
-          <p:cNvPr id="158" name="Google Shape;158;p30"/>
+          <p:cNvPr id="159" name="Google Shape;159;p30"/>
           <p:cNvPicPr preferRelativeResize="0"/>
           <p:nvPr/>
         </p:nvPicPr>
@@ -16618,7 +18960,7 @@
       </p:pic>
       <p:pic>
         <p:nvPicPr>
-          <p:cNvPr id="159" name="Google Shape;159;p30"/>
+          <p:cNvPr id="160" name="Google Shape;160;p30"/>
           <p:cNvPicPr preferRelativeResize="0"/>
           <p:nvPr/>
         </p:nvPicPr>
@@ -16646,7 +18988,7 @@
       </p:pic>
       <p:sp>
         <p:nvSpPr>
-          <p:cNvPr id="160" name="Google Shape;160;p30"/>
+          <p:cNvPr id="161" name="Google Shape;161;p30"/>
           <p:cNvSpPr txBox="1"/>
           <p:nvPr/>
         </p:nvSpPr>
@@ -16708,7 +19050,7 @@
       </p:sp>
       <p:sp>
         <p:nvSpPr>
-          <p:cNvPr id="161" name="Google Shape;161;p30"/>
+          <p:cNvPr id="162" name="Google Shape;162;p30"/>
           <p:cNvSpPr txBox="1"/>
           <p:nvPr/>
         </p:nvSpPr>
@@ -16792,7 +19134,7 @@
     </p:bg>
     <p:spTree>
       <p:nvGrpSpPr>
-        <p:cNvPr id="165" name="Shape 165"/>
+        <p:cNvPr id="166" name="Shape 166"/>
         <p:cNvGrpSpPr/>
         <p:nvPr/>
       </p:nvGrpSpPr>
@@ -16806,7 +19148,7 @@
       </p:grpSpPr>
       <p:sp>
         <p:nvSpPr>
-          <p:cNvPr id="166" name="Google Shape;166;p31"/>
+          <p:cNvPr id="167" name="Google Shape;167;p31"/>
           <p:cNvSpPr txBox="1"/>
           <p:nvPr>
             <p:ph type="title"/>
@@ -16855,7 +19197,7 @@
       </p:sp>
       <p:sp>
         <p:nvSpPr>
-          <p:cNvPr id="167" name="Google Shape;167;p31"/>
+          <p:cNvPr id="168" name="Google Shape;168;p31"/>
           <p:cNvSpPr txBox="1"/>
           <p:nvPr/>
         </p:nvSpPr>
@@ -16900,7 +19242,7 @@
       </p:sp>
       <p:pic>
         <p:nvPicPr>
-          <p:cNvPr id="168" name="Google Shape;168;p31"/>
+          <p:cNvPr id="169" name="Google Shape;169;p31"/>
           <p:cNvPicPr preferRelativeResize="0"/>
           <p:nvPr/>
         </p:nvPicPr>
@@ -16928,7 +19270,7 @@
       </p:pic>
       <p:pic>
         <p:nvPicPr>
-          <p:cNvPr id="169" name="Google Shape;169;p31"/>
+          <p:cNvPr id="170" name="Google Shape;170;p31"/>
           <p:cNvPicPr preferRelativeResize="0"/>
           <p:nvPr/>
         </p:nvPicPr>
@@ -16956,7 +19298,7 @@
       </p:pic>
       <p:pic>
         <p:nvPicPr>
-          <p:cNvPr id="170" name="Google Shape;170;p31"/>
+          <p:cNvPr id="171" name="Google Shape;171;p31"/>
           <p:cNvPicPr preferRelativeResize="0"/>
           <p:nvPr/>
         </p:nvPicPr>
@@ -16984,7 +19326,7 @@
       </p:pic>
       <p:sp>
         <p:nvSpPr>
-          <p:cNvPr id="171" name="Google Shape;171;p31"/>
+          <p:cNvPr id="172" name="Google Shape;172;p31"/>
           <p:cNvSpPr txBox="1"/>
           <p:nvPr/>
         </p:nvSpPr>
@@ -17046,7 +19388,7 @@
       </p:sp>
       <p:sp>
         <p:nvSpPr>
-          <p:cNvPr id="172" name="Google Shape;172;p31"/>
+          <p:cNvPr id="173" name="Google Shape;173;p31"/>
           <p:cNvSpPr txBox="1"/>
           <p:nvPr/>
         </p:nvSpPr>
@@ -17146,7 +19488,7 @@
     </p:bg>
     <p:spTree>
       <p:nvGrpSpPr>
-        <p:cNvPr id="176" name="Shape 176"/>
+        <p:cNvPr id="177" name="Shape 177"/>
         <p:cNvGrpSpPr/>
         <p:nvPr/>
       </p:nvGrpSpPr>
@@ -17160,7 +19502,7 @@
       </p:grpSpPr>
       <p:sp>
         <p:nvSpPr>
-          <p:cNvPr id="177" name="Google Shape;177;p32"/>
+          <p:cNvPr id="178" name="Google Shape;178;p32"/>
           <p:cNvSpPr txBox="1"/>
           <p:nvPr>
             <p:ph type="title"/>
@@ -17217,7 +19559,7 @@
       </p:sp>
       <p:sp>
         <p:nvSpPr>
-          <p:cNvPr id="178" name="Google Shape;178;p32"/>
+          <p:cNvPr id="179" name="Google Shape;179;p32"/>
           <p:cNvSpPr txBox="1"/>
           <p:nvPr/>
         </p:nvSpPr>
@@ -17262,7 +19604,7 @@
       </p:sp>
       <p:pic>
         <p:nvPicPr>
-          <p:cNvPr id="179" name="Google Shape;179;p32"/>
+          <p:cNvPr id="180" name="Google Shape;180;p32"/>
           <p:cNvPicPr preferRelativeResize="0"/>
           <p:nvPr/>
         </p:nvPicPr>
@@ -17290,7 +19632,7 @@
       </p:pic>
       <p:pic>
         <p:nvPicPr>
-          <p:cNvPr id="180" name="Google Shape;180;p32"/>
+          <p:cNvPr id="181" name="Google Shape;181;p32"/>
           <p:cNvPicPr preferRelativeResize="0"/>
           <p:nvPr/>
         </p:nvPicPr>
@@ -17318,7 +19660,7 @@
       </p:pic>
       <p:pic>
         <p:nvPicPr>
-          <p:cNvPr id="181" name="Google Shape;181;p32"/>
+          <p:cNvPr id="182" name="Google Shape;182;p32"/>
           <p:cNvPicPr preferRelativeResize="0"/>
           <p:nvPr/>
         </p:nvPicPr>
@@ -17346,7 +19688,7 @@
       </p:pic>
       <p:sp>
         <p:nvSpPr>
-          <p:cNvPr id="182" name="Google Shape;182;p32"/>
+          <p:cNvPr id="183" name="Google Shape;183;p32"/>
           <p:cNvSpPr txBox="1"/>
           <p:nvPr/>
         </p:nvSpPr>
@@ -17563,7 +19905,7 @@
     </p:bg>
     <p:spTree>
       <p:nvGrpSpPr>
-        <p:cNvPr id="186" name="Shape 186"/>
+        <p:cNvPr id="187" name="Shape 187"/>
         <p:cNvGrpSpPr/>
         <p:nvPr/>
       </p:nvGrpSpPr>
@@ -17577,7 +19919,7 @@
       </p:grpSpPr>
       <p:sp>
         <p:nvSpPr>
-          <p:cNvPr id="187" name="Google Shape;187;p33"/>
+          <p:cNvPr id="188" name="Google Shape;188;p33"/>
           <p:cNvSpPr txBox="1"/>
           <p:nvPr>
             <p:ph type="title"/>
@@ -17626,7 +19968,7 @@
       </p:sp>
       <p:sp>
         <p:nvSpPr>
-          <p:cNvPr id="188" name="Google Shape;188;p33"/>
+          <p:cNvPr id="189" name="Google Shape;189;p33"/>
           <p:cNvSpPr txBox="1"/>
           <p:nvPr/>
         </p:nvSpPr>
@@ -17671,7 +20013,7 @@
       </p:sp>
       <p:pic>
         <p:nvPicPr>
-          <p:cNvPr id="189" name="Google Shape;189;p33"/>
+          <p:cNvPr id="190" name="Google Shape;190;p33"/>
           <p:cNvPicPr preferRelativeResize="0"/>
           <p:nvPr/>
         </p:nvPicPr>
@@ -17699,7 +20041,7 @@
       </p:pic>
       <p:pic>
         <p:nvPicPr>
-          <p:cNvPr id="190" name="Google Shape;190;p33"/>
+          <p:cNvPr id="191" name="Google Shape;191;p33"/>
           <p:cNvPicPr preferRelativeResize="0"/>
           <p:nvPr/>
         </p:nvPicPr>
@@ -17727,7 +20069,7 @@
       </p:pic>
       <p:pic>
         <p:nvPicPr>
-          <p:cNvPr id="191" name="Google Shape;191;p33"/>
+          <p:cNvPr id="192" name="Google Shape;192;p33"/>
           <p:cNvPicPr preferRelativeResize="0"/>
           <p:nvPr/>
         </p:nvPicPr>
@@ -17755,14 +20097,14 @@
       </p:pic>
       <p:sp>
         <p:nvSpPr>
-          <p:cNvPr id="192" name="Google Shape;192;p33"/>
+          <p:cNvPr id="193" name="Google Shape;193;p33"/>
           <p:cNvSpPr txBox="1"/>
           <p:nvPr/>
         </p:nvSpPr>
         <p:spPr>
           <a:xfrm>
             <a:off x="358375" y="1692400"/>
-            <a:ext cx="7864500" cy="1262100"/>
+            <a:ext cx="7864500" cy="1908600"/>
           </a:xfrm>
           <a:prstGeom prst="rect">
             <a:avLst/>
@@ -17846,6 +20188,53 @@
             <a:r>
               <a:rPr lang="ja"/>
               <a:t>　脳の記憶特性を利用して効率的に英単語を覚えるiknow</a:t>
+            </a:r>
+            <a:endParaRPr/>
+          </a:p>
+          <a:p>
+            <a:pPr indent="0" lvl="0" marL="0" rtl="0" algn="l">
+              <a:spcBef>
+                <a:spcPts val="0"/>
+              </a:spcBef>
+              <a:spcAft>
+                <a:spcPts val="0"/>
+              </a:spcAft>
+              <a:buNone/>
+            </a:pPr>
+            <a:r>
+              <a:rPr lang="ja"/>
+              <a:t>身体拡張で言えば・・・</a:t>
+            </a:r>
+            <a:endParaRPr/>
+          </a:p>
+          <a:p>
+            <a:pPr indent="0" lvl="0" marL="0" rtl="0" algn="l">
+              <a:spcBef>
+                <a:spcPts val="0"/>
+              </a:spcBef>
+              <a:spcAft>
+                <a:spcPts val="0"/>
+              </a:spcAft>
+              <a:buNone/>
+            </a:pPr>
+            <a:r>
+              <a:rPr lang="ja"/>
+              <a:t>　パワードスーツで体を拡張する</a:t>
+            </a:r>
+            <a:endParaRPr/>
+          </a:p>
+          <a:p>
+            <a:pPr indent="0" lvl="0" marL="0" rtl="0" algn="l">
+              <a:spcBef>
+                <a:spcPts val="0"/>
+              </a:spcBef>
+              <a:spcAft>
+                <a:spcPts val="0"/>
+              </a:spcAft>
+              <a:buNone/>
+            </a:pPr>
+            <a:r>
+              <a:t/>
             </a:r>
             <a:endParaRPr/>
           </a:p>
@@ -17875,285 +20264,6 @@
 </file>
 
 <file path=ppt/theme/theme1.xml><?xml version="1.0" encoding="utf-8"?>
-<a:theme xmlns:a="http://schemas.openxmlformats.org/drawingml/2006/main" xmlns:r="http://schemas.openxmlformats.org/officeDocument/2006/relationships" name="Simple Light">
-  <a:themeElements>
-    <a:clrScheme name="Simple Light">
-      <a:dk1>
-        <a:srgbClr val="000000"/>
-      </a:dk1>
-      <a:lt1>
-        <a:srgbClr val="FFFFFF"/>
-      </a:lt1>
-      <a:dk2>
-        <a:srgbClr val="595959"/>
-      </a:dk2>
-      <a:lt2>
-        <a:srgbClr val="EEEEEE"/>
-      </a:lt2>
-      <a:accent1>
-        <a:srgbClr val="4285F4"/>
-      </a:accent1>
-      <a:accent2>
-        <a:srgbClr val="212121"/>
-      </a:accent2>
-      <a:accent3>
-        <a:srgbClr val="78909C"/>
-      </a:accent3>
-      <a:accent4>
-        <a:srgbClr val="FFAB40"/>
-      </a:accent4>
-      <a:accent5>
-        <a:srgbClr val="0097A7"/>
-      </a:accent5>
-      <a:accent6>
-        <a:srgbClr val="EEFF41"/>
-      </a:accent6>
-      <a:hlink>
-        <a:srgbClr val="0097A7"/>
-      </a:hlink>
-      <a:folHlink>
-        <a:srgbClr val="0097A7"/>
-      </a:folHlink>
-    </a:clrScheme>
-    <a:fontScheme name="Office">
-      <a:majorFont>
-        <a:latin typeface="Arial"/>
-        <a:ea typeface=""/>
-        <a:cs typeface=""/>
-        <a:font script="Jpan" typeface="ＭＳ Ｐゴシック"/>
-        <a:font script="Hang" typeface="맑은 고딕"/>
-        <a:font script="Hans" typeface="宋体"/>
-        <a:font script="Hant" typeface="新細明體"/>
-        <a:font script="Arab" typeface="Times New Roman"/>
-        <a:font script="Hebr" typeface="Times New Roman"/>
-        <a:font script="Thai" typeface="Angsana New"/>
-        <a:font script="Ethi" typeface="Nyala"/>
-        <a:font script="Beng" typeface="Vrinda"/>
-        <a:font script="Gujr" typeface="Shruti"/>
-        <a:font script="Khmr" typeface="MoolBoran"/>
-        <a:font script="Knda" typeface="Tunga"/>
-        <a:font script="Guru" typeface="Raavi"/>
-        <a:font script="Cans" typeface="Euphemia"/>
-        <a:font script="Cher" typeface="Plantagenet Cherokee"/>
-        <a:font script="Yiii" typeface="Microsoft Yi Baiti"/>
-        <a:font script="Tibt" typeface="Microsoft Himalaya"/>
-        <a:font script="Thaa" typeface="MV Boli"/>
-        <a:font script="Deva" typeface="Mangal"/>
-        <a:font script="Telu" typeface="Gautami"/>
-        <a:font script="Taml" typeface="Latha"/>
-        <a:font script="Syrc" typeface="Estrangelo Edessa"/>
-        <a:font script="Orya" typeface="Kalinga"/>
-        <a:font script="Mlym" typeface="Kartika"/>
-        <a:font script="Laoo" typeface="DokChampa"/>
-        <a:font script="Sinh" typeface="Iskoola Pota"/>
-        <a:font script="Mong" typeface="Mongolian Baiti"/>
-        <a:font script="Viet" typeface="Times New Roman"/>
-        <a:font script="Uigh" typeface="Microsoft Uighur"/>
-        <a:font script="Geor" typeface="Sylfaen"/>
-      </a:majorFont>
-      <a:minorFont>
-        <a:latin typeface="Arial"/>
-        <a:ea typeface=""/>
-        <a:cs typeface=""/>
-        <a:font script="Jpan" typeface="ＭＳ Ｐゴシック"/>
-        <a:font script="Hang" typeface="맑은 고딕"/>
-        <a:font script="Hans" typeface="宋体"/>
-        <a:font script="Hant" typeface="新細明體"/>
-        <a:font script="Arab" typeface="Arial"/>
-        <a:font script="Hebr" typeface="Arial"/>
-        <a:font script="Thai" typeface="Cordia New"/>
-        <a:font script="Ethi" typeface="Nyala"/>
-        <a:font script="Beng" typeface="Vrinda"/>
-        <a:font script="Gujr" typeface="Shruti"/>
-        <a:font script="Khmr" typeface="DaunPenh"/>
-        <a:font script="Knda" typeface="Tunga"/>
-        <a:font script="Guru" typeface="Raavi"/>
-        <a:font script="Cans" typeface="Euphemia"/>
-        <a:font script="Cher" typeface="Plantagenet Cherokee"/>
-        <a:font script="Yiii" typeface="Microsoft Yi Baiti"/>
-        <a:font script="Tibt" typeface="Microsoft Himalaya"/>
-        <a:font script="Thaa" typeface="MV Boli"/>
-        <a:font script="Deva" typeface="Mangal"/>
-        <a:font script="Telu" typeface="Gautami"/>
-        <a:font script="Taml" typeface="Latha"/>
-        <a:font script="Syrc" typeface="Estrangelo Edessa"/>
-        <a:font script="Orya" typeface="Kalinga"/>
-        <a:font script="Mlym" typeface="Kartika"/>
-        <a:font script="Laoo" typeface="DokChampa"/>
-        <a:font script="Sinh" typeface="Iskoola Pota"/>
-        <a:font script="Mong" typeface="Mongolian Baiti"/>
-        <a:font script="Viet" typeface="Arial"/>
-        <a:font script="Uigh" typeface="Microsoft Uighur"/>
-        <a:font script="Geor" typeface="Sylfaen"/>
-      </a:minorFont>
-    </a:fontScheme>
-    <a:fmtScheme name="Office">
-      <a:fillStyleLst>
-        <a:solidFill>
-          <a:schemeClr val="phClr"/>
-        </a:solidFill>
-        <a:gradFill rotWithShape="1">
-          <a:gsLst>
-            <a:gs pos="0">
-              <a:schemeClr val="phClr">
-                <a:tint val="50000"/>
-                <a:satMod val="300000"/>
-              </a:schemeClr>
-            </a:gs>
-            <a:gs pos="35000">
-              <a:schemeClr val="phClr">
-                <a:tint val="37000"/>
-                <a:satMod val="300000"/>
-              </a:schemeClr>
-            </a:gs>
-            <a:gs pos="100000">
-              <a:schemeClr val="phClr">
-                <a:tint val="15000"/>
-                <a:satMod val="350000"/>
-              </a:schemeClr>
-            </a:gs>
-          </a:gsLst>
-          <a:lin ang="16200000" scaled="1"/>
-        </a:gradFill>
-        <a:gradFill rotWithShape="1">
-          <a:gsLst>
-            <a:gs pos="0">
-              <a:schemeClr val="phClr">
-                <a:tint val="100000"/>
-                <a:shade val="100000"/>
-                <a:satMod val="130000"/>
-              </a:schemeClr>
-            </a:gs>
-            <a:gs pos="100000">
-              <a:schemeClr val="phClr">
-                <a:tint val="50000"/>
-                <a:shade val="100000"/>
-                <a:satMod val="350000"/>
-              </a:schemeClr>
-            </a:gs>
-          </a:gsLst>
-          <a:lin ang="16200000" scaled="0"/>
-        </a:gradFill>
-      </a:fillStyleLst>
-      <a:lnStyleLst>
-        <a:ln w="9525" cap="flat" cmpd="sng" algn="ctr">
-          <a:solidFill>
-            <a:schemeClr val="phClr">
-              <a:shade val="95000"/>
-              <a:satMod val="105000"/>
-            </a:schemeClr>
-          </a:solidFill>
-          <a:prstDash val="solid"/>
-        </a:ln>
-        <a:ln w="25400" cap="flat" cmpd="sng" algn="ctr">
-          <a:solidFill>
-            <a:schemeClr val="phClr"/>
-          </a:solidFill>
-          <a:prstDash val="solid"/>
-        </a:ln>
-        <a:ln w="38100" cap="flat" cmpd="sng" algn="ctr">
-          <a:solidFill>
-            <a:schemeClr val="phClr"/>
-          </a:solidFill>
-          <a:prstDash val="solid"/>
-        </a:ln>
-      </a:lnStyleLst>
-      <a:effectStyleLst>
-        <a:effectStyle>
-          <a:effectLst>
-            <a:outerShdw blurRad="40000" dist="20000" dir="5400000" rotWithShape="0">
-              <a:srgbClr val="000000">
-                <a:alpha val="38000"/>
-              </a:srgbClr>
-            </a:outerShdw>
-          </a:effectLst>
-        </a:effectStyle>
-        <a:effectStyle>
-          <a:effectLst>
-            <a:outerShdw blurRad="40000" dist="23000" dir="5400000" rotWithShape="0">
-              <a:srgbClr val="000000">
-                <a:alpha val="35000"/>
-              </a:srgbClr>
-            </a:outerShdw>
-          </a:effectLst>
-        </a:effectStyle>
-        <a:effectStyle>
-          <a:effectLst>
-            <a:outerShdw blurRad="40000" dist="23000" dir="5400000" rotWithShape="0">
-              <a:srgbClr val="000000">
-                <a:alpha val="35000"/>
-              </a:srgbClr>
-            </a:outerShdw>
-          </a:effectLst>
-          <a:scene3d>
-            <a:camera prst="orthographicFront">
-              <a:rot lat="0" lon="0" rev="0"/>
-            </a:camera>
-            <a:lightRig rig="threePt" dir="t">
-              <a:rot lat="0" lon="0" rev="1200000"/>
-            </a:lightRig>
-          </a:scene3d>
-          <a:sp3d>
-            <a:bevelT w="63500" h="25400"/>
-          </a:sp3d>
-        </a:effectStyle>
-      </a:effectStyleLst>
-      <a:bgFillStyleLst>
-        <a:solidFill>
-          <a:schemeClr val="phClr"/>
-        </a:solidFill>
-        <a:gradFill rotWithShape="1">
-          <a:gsLst>
-            <a:gs pos="0">
-              <a:schemeClr val="phClr">
-                <a:tint val="40000"/>
-                <a:satMod val="350000"/>
-              </a:schemeClr>
-            </a:gs>
-            <a:gs pos="40000">
-              <a:schemeClr val="phClr">
-                <a:tint val="45000"/>
-                <a:shade val="99000"/>
-                <a:satMod val="350000"/>
-              </a:schemeClr>
-            </a:gs>
-            <a:gs pos="100000">
-              <a:schemeClr val="phClr">
-                <a:shade val="20000"/>
-                <a:satMod val="255000"/>
-              </a:schemeClr>
-            </a:gs>
-          </a:gsLst>
-          <a:path path="circle">
-            <a:fillToRect l="50000" t="-80000" r="50000" b="180000"/>
-          </a:path>
-        </a:gradFill>
-        <a:gradFill rotWithShape="1">
-          <a:gsLst>
-            <a:gs pos="0">
-              <a:schemeClr val="phClr">
-                <a:tint val="80000"/>
-                <a:satMod val="300000"/>
-              </a:schemeClr>
-            </a:gs>
-            <a:gs pos="100000">
-              <a:schemeClr val="phClr">
-                <a:shade val="30000"/>
-                <a:satMod val="200000"/>
-              </a:schemeClr>
-            </a:gs>
-          </a:gsLst>
-          <a:path path="circle">
-            <a:fillToRect l="50000" t="50000" r="50000" b="50000"/>
-          </a:path>
-        </a:gradFill>
-      </a:bgFillStyleLst>
-    </a:fmtScheme>
-  </a:themeElements>
-</a:theme>
-</file>
-
-<file path=ppt/theme/theme2.xml><?xml version="1.0" encoding="utf-8"?>
 <a:theme xmlns:a="http://schemas.openxmlformats.org/drawingml/2006/main" xmlns:r="http://schemas.openxmlformats.org/officeDocument/2006/relationships">
   <a:themeElements>
     <a:clrScheme name="Default">
@@ -18432,7 +20542,7 @@
 </a:theme>
 </file>
 
-<file path=ppt/theme/theme3.xml><?xml version="1.0" encoding="utf-8"?>
+<file path=ppt/theme/theme2.xml><?xml version="1.0" encoding="utf-8"?>
 <a:theme xmlns:a="http://schemas.openxmlformats.org/drawingml/2006/main" xmlns:r="http://schemas.openxmlformats.org/officeDocument/2006/relationships" name="Swiss">
   <a:themeElements>
     <a:clrScheme name="Swiss">
@@ -18709,4 +20819,283 @@
     </a:fmtScheme>
   </a:themeElements>
 </a:theme>
+</file>
+
+<file path=ppt/theme/theme3.xml><?xml version="1.0" encoding="utf-8"?>
+<a:theme xmlns:a="http://schemas.openxmlformats.org/drawingml/2006/main" xmlns:r="http://schemas.openxmlformats.org/officeDocument/2006/relationships" name="Simple Light">
+  <a:themeElements>
+    <a:clrScheme name="Simple Light">
+      <a:dk1>
+        <a:srgbClr val="000000"/>
+      </a:dk1>
+      <a:lt1>
+        <a:srgbClr val="FFFFFF"/>
+      </a:lt1>
+      <a:dk2>
+        <a:srgbClr val="595959"/>
+      </a:dk2>
+      <a:lt2>
+        <a:srgbClr val="EEEEEE"/>
+      </a:lt2>
+      <a:accent1>
+        <a:srgbClr val="4285F4"/>
+      </a:accent1>
+      <a:accent2>
+        <a:srgbClr val="212121"/>
+      </a:accent2>
+      <a:accent3>
+        <a:srgbClr val="78909C"/>
+      </a:accent3>
+      <a:accent4>
+        <a:srgbClr val="FFAB40"/>
+      </a:accent4>
+      <a:accent5>
+        <a:srgbClr val="0097A7"/>
+      </a:accent5>
+      <a:accent6>
+        <a:srgbClr val="EEFF41"/>
+      </a:accent6>
+      <a:hlink>
+        <a:srgbClr val="0097A7"/>
+      </a:hlink>
+      <a:folHlink>
+        <a:srgbClr val="0097A7"/>
+      </a:folHlink>
+    </a:clrScheme>
+    <a:fontScheme name="Office">
+      <a:majorFont>
+        <a:latin typeface="Arial"/>
+        <a:ea typeface=""/>
+        <a:cs typeface=""/>
+        <a:font script="Jpan" typeface="ＭＳ Ｐゴシック"/>
+        <a:font script="Hang" typeface="맑은 고딕"/>
+        <a:font script="Hans" typeface="宋体"/>
+        <a:font script="Hant" typeface="新細明體"/>
+        <a:font script="Arab" typeface="Times New Roman"/>
+        <a:font script="Hebr" typeface="Times New Roman"/>
+        <a:font script="Thai" typeface="Angsana New"/>
+        <a:font script="Ethi" typeface="Nyala"/>
+        <a:font script="Beng" typeface="Vrinda"/>
+        <a:font script="Gujr" typeface="Shruti"/>
+        <a:font script="Khmr" typeface="MoolBoran"/>
+        <a:font script="Knda" typeface="Tunga"/>
+        <a:font script="Guru" typeface="Raavi"/>
+        <a:font script="Cans" typeface="Euphemia"/>
+        <a:font script="Cher" typeface="Plantagenet Cherokee"/>
+        <a:font script="Yiii" typeface="Microsoft Yi Baiti"/>
+        <a:font script="Tibt" typeface="Microsoft Himalaya"/>
+        <a:font script="Thaa" typeface="MV Boli"/>
+        <a:font script="Deva" typeface="Mangal"/>
+        <a:font script="Telu" typeface="Gautami"/>
+        <a:font script="Taml" typeface="Latha"/>
+        <a:font script="Syrc" typeface="Estrangelo Edessa"/>
+        <a:font script="Orya" typeface="Kalinga"/>
+        <a:font script="Mlym" typeface="Kartika"/>
+        <a:font script="Laoo" typeface="DokChampa"/>
+        <a:font script="Sinh" typeface="Iskoola Pota"/>
+        <a:font script="Mong" typeface="Mongolian Baiti"/>
+        <a:font script="Viet" typeface="Times New Roman"/>
+        <a:font script="Uigh" typeface="Microsoft Uighur"/>
+        <a:font script="Geor" typeface="Sylfaen"/>
+      </a:majorFont>
+      <a:minorFont>
+        <a:latin typeface="Arial"/>
+        <a:ea typeface=""/>
+        <a:cs typeface=""/>
+        <a:font script="Jpan" typeface="ＭＳ Ｐゴシック"/>
+        <a:font script="Hang" typeface="맑은 고딕"/>
+        <a:font script="Hans" typeface="宋体"/>
+        <a:font script="Hant" typeface="新細明體"/>
+        <a:font script="Arab" typeface="Arial"/>
+        <a:font script="Hebr" typeface="Arial"/>
+        <a:font script="Thai" typeface="Cordia New"/>
+        <a:font script="Ethi" typeface="Nyala"/>
+        <a:font script="Beng" typeface="Vrinda"/>
+        <a:font script="Gujr" typeface="Shruti"/>
+        <a:font script="Khmr" typeface="DaunPenh"/>
+        <a:font script="Knda" typeface="Tunga"/>
+        <a:font script="Guru" typeface="Raavi"/>
+        <a:font script="Cans" typeface="Euphemia"/>
+        <a:font script="Cher" typeface="Plantagenet Cherokee"/>
+        <a:font script="Yiii" typeface="Microsoft Yi Baiti"/>
+        <a:font script="Tibt" typeface="Microsoft Himalaya"/>
+        <a:font script="Thaa" typeface="MV Boli"/>
+        <a:font script="Deva" typeface="Mangal"/>
+        <a:font script="Telu" typeface="Gautami"/>
+        <a:font script="Taml" typeface="Latha"/>
+        <a:font script="Syrc" typeface="Estrangelo Edessa"/>
+        <a:font script="Orya" typeface="Kalinga"/>
+        <a:font script="Mlym" typeface="Kartika"/>
+        <a:font script="Laoo" typeface="DokChampa"/>
+        <a:font script="Sinh" typeface="Iskoola Pota"/>
+        <a:font script="Mong" typeface="Mongolian Baiti"/>
+        <a:font script="Viet" typeface="Arial"/>
+        <a:font script="Uigh" typeface="Microsoft Uighur"/>
+        <a:font script="Geor" typeface="Sylfaen"/>
+      </a:minorFont>
+    </a:fontScheme>
+    <a:fmtScheme name="Office">
+      <a:fillStyleLst>
+        <a:solidFill>
+          <a:schemeClr val="phClr"/>
+        </a:solidFill>
+        <a:gradFill rotWithShape="1">
+          <a:gsLst>
+            <a:gs pos="0">
+              <a:schemeClr val="phClr">
+                <a:tint val="50000"/>
+                <a:satMod val="300000"/>
+              </a:schemeClr>
+            </a:gs>
+            <a:gs pos="35000">
+              <a:schemeClr val="phClr">
+                <a:tint val="37000"/>
+                <a:satMod val="300000"/>
+              </a:schemeClr>
+            </a:gs>
+            <a:gs pos="100000">
+              <a:schemeClr val="phClr">
+                <a:tint val="15000"/>
+                <a:satMod val="350000"/>
+              </a:schemeClr>
+            </a:gs>
+          </a:gsLst>
+          <a:lin ang="16200000" scaled="1"/>
+        </a:gradFill>
+        <a:gradFill rotWithShape="1">
+          <a:gsLst>
+            <a:gs pos="0">
+              <a:schemeClr val="phClr">
+                <a:tint val="100000"/>
+                <a:shade val="100000"/>
+                <a:satMod val="130000"/>
+              </a:schemeClr>
+            </a:gs>
+            <a:gs pos="100000">
+              <a:schemeClr val="phClr">
+                <a:tint val="50000"/>
+                <a:shade val="100000"/>
+                <a:satMod val="350000"/>
+              </a:schemeClr>
+            </a:gs>
+          </a:gsLst>
+          <a:lin ang="16200000" scaled="0"/>
+        </a:gradFill>
+      </a:fillStyleLst>
+      <a:lnStyleLst>
+        <a:ln w="9525" cap="flat" cmpd="sng" algn="ctr">
+          <a:solidFill>
+            <a:schemeClr val="phClr">
+              <a:shade val="95000"/>
+              <a:satMod val="105000"/>
+            </a:schemeClr>
+          </a:solidFill>
+          <a:prstDash val="solid"/>
+        </a:ln>
+        <a:ln w="25400" cap="flat" cmpd="sng" algn="ctr">
+          <a:solidFill>
+            <a:schemeClr val="phClr"/>
+          </a:solidFill>
+          <a:prstDash val="solid"/>
+        </a:ln>
+        <a:ln w="38100" cap="flat" cmpd="sng" algn="ctr">
+          <a:solidFill>
+            <a:schemeClr val="phClr"/>
+          </a:solidFill>
+          <a:prstDash val="solid"/>
+        </a:ln>
+      </a:lnStyleLst>
+      <a:effectStyleLst>
+        <a:effectStyle>
+          <a:effectLst>
+            <a:outerShdw blurRad="40000" dist="20000" dir="5400000" rotWithShape="0">
+              <a:srgbClr val="000000">
+                <a:alpha val="38000"/>
+              </a:srgbClr>
+            </a:outerShdw>
+          </a:effectLst>
+        </a:effectStyle>
+        <a:effectStyle>
+          <a:effectLst>
+            <a:outerShdw blurRad="40000" dist="23000" dir="5400000" rotWithShape="0">
+              <a:srgbClr val="000000">
+                <a:alpha val="35000"/>
+              </a:srgbClr>
+            </a:outerShdw>
+          </a:effectLst>
+        </a:effectStyle>
+        <a:effectStyle>
+          <a:effectLst>
+            <a:outerShdw blurRad="40000" dist="23000" dir="5400000" rotWithShape="0">
+              <a:srgbClr val="000000">
+                <a:alpha val="35000"/>
+              </a:srgbClr>
+            </a:outerShdw>
+          </a:effectLst>
+          <a:scene3d>
+            <a:camera prst="orthographicFront">
+              <a:rot lat="0" lon="0" rev="0"/>
+            </a:camera>
+            <a:lightRig rig="threePt" dir="t">
+              <a:rot lat="0" lon="0" rev="1200000"/>
+            </a:lightRig>
+          </a:scene3d>
+          <a:sp3d>
+            <a:bevelT w="63500" h="25400"/>
+          </a:sp3d>
+        </a:effectStyle>
+      </a:effectStyleLst>
+      <a:bgFillStyleLst>
+        <a:solidFill>
+          <a:schemeClr val="phClr"/>
+        </a:solidFill>
+        <a:gradFill rotWithShape="1">
+          <a:gsLst>
+            <a:gs pos="0">
+              <a:schemeClr val="phClr">
+                <a:tint val="40000"/>
+                <a:satMod val="350000"/>
+              </a:schemeClr>
+            </a:gs>
+            <a:gs pos="40000">
+              <a:schemeClr val="phClr">
+                <a:tint val="45000"/>
+                <a:shade val="99000"/>
+                <a:satMod val="350000"/>
+              </a:schemeClr>
+            </a:gs>
+            <a:gs pos="100000">
+              <a:schemeClr val="phClr">
+                <a:shade val="20000"/>
+                <a:satMod val="255000"/>
+              </a:schemeClr>
+            </a:gs>
+          </a:gsLst>
+          <a:path path="circle">
+            <a:fillToRect l="50000" t="-80000" r="50000" b="180000"/>
+          </a:path>
+        </a:gradFill>
+        <a:gradFill rotWithShape="1">
+          <a:gsLst>
+            <a:gs pos="0">
+              <a:schemeClr val="phClr">
+                <a:tint val="80000"/>
+                <a:satMod val="300000"/>
+              </a:schemeClr>
+            </a:gs>
+            <a:gs pos="100000">
+              <a:schemeClr val="phClr">
+                <a:shade val="30000"/>
+                <a:satMod val="200000"/>
+              </a:schemeClr>
+            </a:gs>
+          </a:gsLst>
+          <a:path path="circle">
+            <a:fillToRect l="50000" t="50000" r="50000" b="50000"/>
+          </a:path>
+        </a:gradFill>
+      </a:bgFillStyleLst>
+    </a:fmtScheme>
+  </a:themeElements>
+</a:theme>
 </file>